--- a/presentation-source/04-REST-Intro.pptx
+++ b/presentation-source/04-REST-Intro.pptx
@@ -174,7 +174,7 @@
           <a:lstStyle>
             <a:lvl1pPr algn="l">
               <a:defRPr sz="1200">
-                <a:latin typeface="Calisto MT"/>
+                <a:latin typeface="Montserrat"/>
               </a:defRPr>
             </a:lvl1pPr>
           </a:lstStyle>
@@ -207,7 +207,7 @@
           <a:lstStyle>
             <a:lvl1pPr algn="r">
               <a:defRPr sz="1200">
-                <a:latin typeface="Calisto MT"/>
+                <a:latin typeface="Montserrat"/>
               </a:defRPr>
             </a:lvl1pPr>
           </a:lstStyle>
@@ -338,7 +338,7 @@
           <a:lstStyle>
             <a:lvl1pPr algn="l">
               <a:defRPr sz="1200">
-                <a:latin typeface="Calisto MT"/>
+                <a:latin typeface="Montserrat"/>
               </a:defRPr>
             </a:lvl1pPr>
           </a:lstStyle>
@@ -371,7 +371,7 @@
           <a:lstStyle>
             <a:lvl1pPr algn="r">
               <a:defRPr sz="1200">
-                <a:latin typeface="Calisto MT"/>
+                <a:latin typeface="Montserrat"/>
               </a:defRPr>
             </a:lvl1pPr>
           </a:lstStyle>
@@ -399,7 +399,7 @@
         <a:solidFill>
           <a:schemeClr val="tx1"/>
         </a:solidFill>
-        <a:latin typeface="Calisto MT"/>
+        <a:latin typeface="Montserrat"/>
         <a:ea typeface="+mn-ea"/>
         <a:cs typeface="+mn-cs"/>
       </a:defRPr>
@@ -409,7 +409,7 @@
         <a:solidFill>
           <a:schemeClr val="tx1"/>
         </a:solidFill>
-        <a:latin typeface="Calisto MT"/>
+        <a:latin typeface="Montserrat"/>
         <a:ea typeface="+mn-ea"/>
         <a:cs typeface="+mn-cs"/>
       </a:defRPr>
@@ -419,7 +419,7 @@
         <a:solidFill>
           <a:schemeClr val="tx1"/>
         </a:solidFill>
-        <a:latin typeface="Calisto MT"/>
+        <a:latin typeface="Montserrat"/>
         <a:ea typeface="+mn-ea"/>
         <a:cs typeface="+mn-cs"/>
       </a:defRPr>
@@ -429,7 +429,7 @@
         <a:solidFill>
           <a:schemeClr val="tx1"/>
         </a:solidFill>
-        <a:latin typeface="Calisto MT"/>
+        <a:latin typeface="Montserrat"/>
         <a:ea typeface="+mn-ea"/>
         <a:cs typeface="+mn-cs"/>
       </a:defRPr>
@@ -439,7 +439,7 @@
         <a:solidFill>
           <a:schemeClr val="tx1"/>
         </a:solidFill>
-        <a:latin typeface="Calisto MT"/>
+        <a:latin typeface="Montserrat"/>
         <a:ea typeface="+mn-ea"/>
         <a:cs typeface="+mn-cs"/>
       </a:defRPr>
@@ -5456,237 +5456,6 @@
           </a:p>
         </p:txBody>
       </p:sp>
-      <p:sp>
-        <p:nvSpPr>
-          <p:cNvPr id="21" name="TextBox 20"/>
-          <p:cNvSpPr txBox="1">
-            <a:spLocks noChangeArrowheads="1"/>
-          </p:cNvSpPr>
-          <p:nvPr userDrawn="1"/>
-        </p:nvSpPr>
-        <p:spPr bwMode="auto">
-          <a:xfrm>
-            <a:off x="1046163" y="6092834"/>
-            <a:ext cx="6327373" cy="707886"/>
-          </a:xfrm>
-          <a:prstGeom prst="rect">
-            <a:avLst/>
-          </a:prstGeom>
-          <a:noFill/>
-          <a:ln>
-            <a:noFill/>
-          </a:ln>
-          <a:extLst>
-            <a:ext uri="{909E8E84-426E-40dd-AFC4-6F175D3DCCD1}">
-              <a14:hiddenFill xmlns:a14="http://schemas.microsoft.com/office/drawing/2010/main">
-                <a:solidFill>
-                  <a:srgbClr val="FFFFFF"/>
-                </a:solidFill>
-              </a14:hiddenFill>
-            </a:ext>
-            <a:ext uri="{91240B29-F687-4f45-9708-019B960494DF}">
-              <a14:hiddenLine xmlns:a14="http://schemas.microsoft.com/office/drawing/2010/main" w="9525">
-                <a:solidFill>
-                  <a:srgbClr val="000000"/>
-                </a:solidFill>
-                <a:miter lim="800000"/>
-                <a:headEnd/>
-                <a:tailEnd/>
-              </a14:hiddenLine>
-            </a:ext>
-          </a:extLst>
-        </p:spPr>
-        <p:txBody>
-          <a:bodyPr wrap="none">
-            <a:spAutoFit/>
-          </a:bodyPr>
-          <a:lstStyle>
-            <a:defPPr>
-              <a:defRPr lang="en-US"/>
-            </a:defPPr>
-            <a:lvl1pPr algn="ctr" rtl="0" fontAlgn="base">
-              <a:spcBef>
-                <a:spcPct val="0"/>
-              </a:spcBef>
-              <a:spcAft>
-                <a:spcPct val="0"/>
-              </a:spcAft>
-              <a:defRPr sz="3200" kern="1200">
-                <a:solidFill>
-                  <a:srgbClr val="000000"/>
-                </a:solidFill>
-                <a:latin typeface="Gill Sans" charset="0"/>
-                <a:ea typeface="ヒラギノ角ゴ ProN W3" charset="0"/>
-                <a:cs typeface="ヒラギノ角ゴ ProN W3" charset="0"/>
-                <a:sym typeface="Gill Sans" charset="0"/>
-              </a:defRPr>
-            </a:lvl1pPr>
-            <a:lvl2pPr marL="457200" algn="ctr" rtl="0" fontAlgn="base">
-              <a:spcBef>
-                <a:spcPct val="0"/>
-              </a:spcBef>
-              <a:spcAft>
-                <a:spcPct val="0"/>
-              </a:spcAft>
-              <a:defRPr sz="3200" kern="1200">
-                <a:solidFill>
-                  <a:srgbClr val="000000"/>
-                </a:solidFill>
-                <a:latin typeface="Gill Sans" charset="0"/>
-                <a:ea typeface="ヒラギノ角ゴ ProN W3" charset="0"/>
-                <a:cs typeface="ヒラギノ角ゴ ProN W3" charset="0"/>
-                <a:sym typeface="Gill Sans" charset="0"/>
-              </a:defRPr>
-            </a:lvl2pPr>
-            <a:lvl3pPr marL="914400" algn="ctr" rtl="0" fontAlgn="base">
-              <a:spcBef>
-                <a:spcPct val="0"/>
-              </a:spcBef>
-              <a:spcAft>
-                <a:spcPct val="0"/>
-              </a:spcAft>
-              <a:defRPr sz="3200" kern="1200">
-                <a:solidFill>
-                  <a:srgbClr val="000000"/>
-                </a:solidFill>
-                <a:latin typeface="Gill Sans" charset="0"/>
-                <a:ea typeface="ヒラギノ角ゴ ProN W3" charset="0"/>
-                <a:cs typeface="ヒラギノ角ゴ ProN W3" charset="0"/>
-                <a:sym typeface="Gill Sans" charset="0"/>
-              </a:defRPr>
-            </a:lvl3pPr>
-            <a:lvl4pPr marL="1371600" algn="ctr" rtl="0" fontAlgn="base">
-              <a:spcBef>
-                <a:spcPct val="0"/>
-              </a:spcBef>
-              <a:spcAft>
-                <a:spcPct val="0"/>
-              </a:spcAft>
-              <a:defRPr sz="3200" kern="1200">
-                <a:solidFill>
-                  <a:srgbClr val="000000"/>
-                </a:solidFill>
-                <a:latin typeface="Gill Sans" charset="0"/>
-                <a:ea typeface="ヒラギノ角ゴ ProN W3" charset="0"/>
-                <a:cs typeface="ヒラギノ角ゴ ProN W3" charset="0"/>
-                <a:sym typeface="Gill Sans" charset="0"/>
-              </a:defRPr>
-            </a:lvl4pPr>
-            <a:lvl5pPr marL="1828800" algn="ctr" rtl="0" fontAlgn="base">
-              <a:spcBef>
-                <a:spcPct val="0"/>
-              </a:spcBef>
-              <a:spcAft>
-                <a:spcPct val="0"/>
-              </a:spcAft>
-              <a:defRPr sz="3200" kern="1200">
-                <a:solidFill>
-                  <a:srgbClr val="000000"/>
-                </a:solidFill>
-                <a:latin typeface="Gill Sans" charset="0"/>
-                <a:ea typeface="ヒラギノ角ゴ ProN W3" charset="0"/>
-                <a:cs typeface="ヒラギノ角ゴ ProN W3" charset="0"/>
-                <a:sym typeface="Gill Sans" charset="0"/>
-              </a:defRPr>
-            </a:lvl5pPr>
-            <a:lvl6pPr marL="2286000" algn="l" defTabSz="457200" rtl="0" eaLnBrk="1" latinLnBrk="0" hangingPunct="1">
-              <a:defRPr sz="3200" kern="1200">
-                <a:solidFill>
-                  <a:srgbClr val="000000"/>
-                </a:solidFill>
-                <a:latin typeface="Gill Sans" charset="0"/>
-                <a:ea typeface="ヒラギノ角ゴ ProN W3" charset="0"/>
-                <a:cs typeface="ヒラギノ角ゴ ProN W3" charset="0"/>
-                <a:sym typeface="Gill Sans" charset="0"/>
-              </a:defRPr>
-            </a:lvl6pPr>
-            <a:lvl7pPr marL="2743200" algn="l" defTabSz="457200" rtl="0" eaLnBrk="1" latinLnBrk="0" hangingPunct="1">
-              <a:defRPr sz="3200" kern="1200">
-                <a:solidFill>
-                  <a:srgbClr val="000000"/>
-                </a:solidFill>
-                <a:latin typeface="Gill Sans" charset="0"/>
-                <a:ea typeface="ヒラギノ角ゴ ProN W3" charset="0"/>
-                <a:cs typeface="ヒラギノ角ゴ ProN W3" charset="0"/>
-                <a:sym typeface="Gill Sans" charset="0"/>
-              </a:defRPr>
-            </a:lvl7pPr>
-            <a:lvl8pPr marL="3200400" algn="l" defTabSz="457200" rtl="0" eaLnBrk="1" latinLnBrk="0" hangingPunct="1">
-              <a:defRPr sz="3200" kern="1200">
-                <a:solidFill>
-                  <a:srgbClr val="000000"/>
-                </a:solidFill>
-                <a:latin typeface="Gill Sans" charset="0"/>
-                <a:ea typeface="ヒラギノ角ゴ ProN W3" charset="0"/>
-                <a:cs typeface="ヒラギノ角ゴ ProN W3" charset="0"/>
-                <a:sym typeface="Gill Sans" charset="0"/>
-              </a:defRPr>
-            </a:lvl8pPr>
-            <a:lvl9pPr marL="3657600" algn="l" defTabSz="457200" rtl="0" eaLnBrk="1" latinLnBrk="0" hangingPunct="1">
-              <a:defRPr sz="3200" kern="1200">
-                <a:solidFill>
-                  <a:srgbClr val="000000"/>
-                </a:solidFill>
-                <a:latin typeface="Gill Sans" charset="0"/>
-                <a:ea typeface="ヒラギノ角ゴ ProN W3" charset="0"/>
-                <a:cs typeface="ヒラギノ角ゴ ProN W3" charset="0"/>
-                <a:sym typeface="Gill Sans" charset="0"/>
-              </a:defRPr>
-            </a:lvl9pPr>
-          </a:lstStyle>
-          <a:p>
-            <a:pPr algn="l" eaLnBrk="1" hangingPunct="1">
-              <a:defRPr/>
-            </a:pPr>
-            <a:r>
-              <a:rPr lang="en-US" sz="1000" dirty="0" smtClean="0"/>
-              <a:t>© Paul Fremantle 2012.  Portions © Jeremy Gibbons 2010, © WSO2 2005-2012 used with permission of the author(s).</a:t>
-            </a:r>
-          </a:p>
-          <a:p>
-            <a:pPr algn="l" eaLnBrk="1" hangingPunct="1">
-              <a:defRPr/>
-            </a:pPr>
-            <a:r>
-              <a:rPr lang="en-US" sz="1000" dirty="0" smtClean="0"/>
-              <a:t>Licensed under the Creative Commons 3.0 BY-SA (Attribution-</a:t>
-            </a:r>
-            <a:r>
-              <a:rPr lang="en-US" sz="1000" dirty="0" err="1" smtClean="0"/>
-              <a:t>Sharealike</a:t>
-            </a:r>
-            <a:r>
-              <a:rPr lang="en-US" sz="1000" dirty="0" smtClean="0"/>
-              <a:t>) license.</a:t>
-            </a:r>
-          </a:p>
-          <a:p>
-            <a:pPr algn="l" eaLnBrk="1" hangingPunct="1">
-              <a:defRPr/>
-            </a:pPr>
-            <a:r>
-              <a:rPr lang="en-US" sz="1000" dirty="0" smtClean="0"/>
-              <a:t>See </a:t>
-            </a:r>
-            <a:r>
-              <a:rPr lang="en-US" sz="1000" dirty="0" smtClean="0">
-                <a:hlinkClick r:id="rId13"/>
-              </a:rPr>
-              <a:t>http://creativecommons.org/licenses/by-sa/3.0/</a:t>
-            </a:r>
-            <a:r>
-              <a:rPr lang="en-US" sz="1000" dirty="0" smtClean="0"/>
-              <a:t> </a:t>
-            </a:r>
-          </a:p>
-          <a:p>
-            <a:pPr algn="l" eaLnBrk="1" hangingPunct="1">
-              <a:defRPr/>
-            </a:pPr>
-            <a:endParaRPr lang="en-US" sz="1000" dirty="0" smtClean="0"/>
-          </a:p>
-        </p:txBody>
-      </p:sp>
       <p:pic>
         <p:nvPicPr>
           <p:cNvPr id="22" name="Picture 2"/>
@@ -5795,31 +5564,18 @@
           </a:extLst>
         </p:spPr>
       </p:pic>
-      <p:pic>
-        <p:nvPicPr>
-          <p:cNvPr id="24" name="Picture 23"/>
-          <p:cNvPicPr>
-            <a:picLocks noChangeAspect="1" noChangeArrowheads="1"/>
-          </p:cNvPicPr>
+      <p:sp>
+        <p:nvSpPr>
+          <p:cNvPr id="25" name="TextBox 24"/>
+          <p:cNvSpPr txBox="1">
+            <a:spLocks noChangeArrowheads="1"/>
+          </p:cNvSpPr>
           <p:nvPr userDrawn="1"/>
-        </p:nvPicPr>
-        <p:blipFill>
-          <a:blip r:embed="rId14">
-            <a:extLst>
-              <a:ext uri="{28A0092B-C50C-407E-A947-70E740481C1C}">
-                <a14:useLocalDpi xmlns:a14="http://schemas.microsoft.com/office/drawing/2010/main" val="0"/>
-              </a:ext>
-            </a:extLst>
-          </a:blip>
-          <a:srcRect/>
-          <a:stretch>
-            <a:fillRect/>
-          </a:stretch>
-        </p:blipFill>
+        </p:nvSpPr>
         <p:spPr bwMode="auto">
           <a:xfrm>
-            <a:off x="320764" y="6254746"/>
-            <a:ext cx="725399" cy="258097"/>
+            <a:off x="1168930" y="6344711"/>
+            <a:ext cx="4942379" cy="415498"/>
           </a:xfrm>
           <a:prstGeom prst="rect">
             <a:avLst/>
@@ -5847,6 +5603,251 @@
               </a14:hiddenLine>
             </a:ext>
           </a:extLst>
+        </p:spPr>
+        <p:txBody>
+          <a:bodyPr wrap="none">
+            <a:spAutoFit/>
+          </a:bodyPr>
+          <a:lstStyle>
+            <a:defPPr>
+              <a:defRPr lang="en-US"/>
+            </a:defPPr>
+            <a:lvl1pPr algn="ctr" rtl="0" fontAlgn="base">
+              <a:spcBef>
+                <a:spcPct val="0"/>
+              </a:spcBef>
+              <a:spcAft>
+                <a:spcPct val="0"/>
+              </a:spcAft>
+              <a:defRPr sz="3200" kern="1200">
+                <a:solidFill>
+                  <a:srgbClr val="000000"/>
+                </a:solidFill>
+                <a:latin typeface="Gill Sans" charset="0"/>
+                <a:ea typeface="ヒラギノ角ゴ ProN W3" charset="0"/>
+                <a:cs typeface="ヒラギノ角ゴ ProN W3" charset="0"/>
+                <a:sym typeface="Gill Sans" charset="0"/>
+              </a:defRPr>
+            </a:lvl1pPr>
+            <a:lvl2pPr marL="457200" algn="ctr" rtl="0" fontAlgn="base">
+              <a:spcBef>
+                <a:spcPct val="0"/>
+              </a:spcBef>
+              <a:spcAft>
+                <a:spcPct val="0"/>
+              </a:spcAft>
+              <a:defRPr sz="3200" kern="1200">
+                <a:solidFill>
+                  <a:srgbClr val="000000"/>
+                </a:solidFill>
+                <a:latin typeface="Gill Sans" charset="0"/>
+                <a:ea typeface="ヒラギノ角ゴ ProN W3" charset="0"/>
+                <a:cs typeface="ヒラギノ角ゴ ProN W3" charset="0"/>
+                <a:sym typeface="Gill Sans" charset="0"/>
+              </a:defRPr>
+            </a:lvl2pPr>
+            <a:lvl3pPr marL="914400" algn="ctr" rtl="0" fontAlgn="base">
+              <a:spcBef>
+                <a:spcPct val="0"/>
+              </a:spcBef>
+              <a:spcAft>
+                <a:spcPct val="0"/>
+              </a:spcAft>
+              <a:defRPr sz="3200" kern="1200">
+                <a:solidFill>
+                  <a:srgbClr val="000000"/>
+                </a:solidFill>
+                <a:latin typeface="Gill Sans" charset="0"/>
+                <a:ea typeface="ヒラギノ角ゴ ProN W3" charset="0"/>
+                <a:cs typeface="ヒラギノ角ゴ ProN W3" charset="0"/>
+                <a:sym typeface="Gill Sans" charset="0"/>
+              </a:defRPr>
+            </a:lvl3pPr>
+            <a:lvl4pPr marL="1371600" algn="ctr" rtl="0" fontAlgn="base">
+              <a:spcBef>
+                <a:spcPct val="0"/>
+              </a:spcBef>
+              <a:spcAft>
+                <a:spcPct val="0"/>
+              </a:spcAft>
+              <a:defRPr sz="3200" kern="1200">
+                <a:solidFill>
+                  <a:srgbClr val="000000"/>
+                </a:solidFill>
+                <a:latin typeface="Gill Sans" charset="0"/>
+                <a:ea typeface="ヒラギノ角ゴ ProN W3" charset="0"/>
+                <a:cs typeface="ヒラギノ角ゴ ProN W3" charset="0"/>
+                <a:sym typeface="Gill Sans" charset="0"/>
+              </a:defRPr>
+            </a:lvl4pPr>
+            <a:lvl5pPr marL="1828800" algn="ctr" rtl="0" fontAlgn="base">
+              <a:spcBef>
+                <a:spcPct val="0"/>
+              </a:spcBef>
+              <a:spcAft>
+                <a:spcPct val="0"/>
+              </a:spcAft>
+              <a:defRPr sz="3200" kern="1200">
+                <a:solidFill>
+                  <a:srgbClr val="000000"/>
+                </a:solidFill>
+                <a:latin typeface="Gill Sans" charset="0"/>
+                <a:ea typeface="ヒラギノ角ゴ ProN W3" charset="0"/>
+                <a:cs typeface="ヒラギノ角ゴ ProN W3" charset="0"/>
+                <a:sym typeface="Gill Sans" charset="0"/>
+              </a:defRPr>
+            </a:lvl5pPr>
+            <a:lvl6pPr marL="2286000" algn="l" defTabSz="457200" rtl="0" eaLnBrk="1" latinLnBrk="0" hangingPunct="1">
+              <a:defRPr sz="3200" kern="1200">
+                <a:solidFill>
+                  <a:srgbClr val="000000"/>
+                </a:solidFill>
+                <a:latin typeface="Gill Sans" charset="0"/>
+                <a:ea typeface="ヒラギノ角ゴ ProN W3" charset="0"/>
+                <a:cs typeface="ヒラギノ角ゴ ProN W3" charset="0"/>
+                <a:sym typeface="Gill Sans" charset="0"/>
+              </a:defRPr>
+            </a:lvl6pPr>
+            <a:lvl7pPr marL="2743200" algn="l" defTabSz="457200" rtl="0" eaLnBrk="1" latinLnBrk="0" hangingPunct="1">
+              <a:defRPr sz="3200" kern="1200">
+                <a:solidFill>
+                  <a:srgbClr val="000000"/>
+                </a:solidFill>
+                <a:latin typeface="Gill Sans" charset="0"/>
+                <a:ea typeface="ヒラギノ角ゴ ProN W3" charset="0"/>
+                <a:cs typeface="ヒラギノ角ゴ ProN W3" charset="0"/>
+                <a:sym typeface="Gill Sans" charset="0"/>
+              </a:defRPr>
+            </a:lvl7pPr>
+            <a:lvl8pPr marL="3200400" algn="l" defTabSz="457200" rtl="0" eaLnBrk="1" latinLnBrk="0" hangingPunct="1">
+              <a:defRPr sz="3200" kern="1200">
+                <a:solidFill>
+                  <a:srgbClr val="000000"/>
+                </a:solidFill>
+                <a:latin typeface="Gill Sans" charset="0"/>
+                <a:ea typeface="ヒラギノ角ゴ ProN W3" charset="0"/>
+                <a:cs typeface="ヒラギノ角ゴ ProN W3" charset="0"/>
+                <a:sym typeface="Gill Sans" charset="0"/>
+              </a:defRPr>
+            </a:lvl8pPr>
+            <a:lvl9pPr marL="3657600" algn="l" defTabSz="457200" rtl="0" eaLnBrk="1" latinLnBrk="0" hangingPunct="1">
+              <a:defRPr sz="3200" kern="1200">
+                <a:solidFill>
+                  <a:srgbClr val="000000"/>
+                </a:solidFill>
+                <a:latin typeface="Gill Sans" charset="0"/>
+                <a:ea typeface="ヒラギノ角ゴ ProN W3" charset="0"/>
+                <a:cs typeface="ヒラギノ角ゴ ProN W3" charset="0"/>
+                <a:sym typeface="Gill Sans" charset="0"/>
+              </a:defRPr>
+            </a:lvl9pPr>
+          </a:lstStyle>
+          <a:p>
+            <a:pPr algn="l" eaLnBrk="1" hangingPunct="1">
+              <a:defRPr/>
+            </a:pPr>
+            <a:r>
+              <a:rPr lang="en-US" sz="700" dirty="0" smtClean="0">
+                <a:latin typeface="Montserrat"/>
+              </a:rPr>
+              <a:t>© Paul Fremantle </a:t>
+            </a:r>
+            <a:r>
+              <a:rPr lang="en-US" sz="700" dirty="0" smtClean="0">
+                <a:latin typeface="Montserrat"/>
+              </a:rPr>
+              <a:t>2016 except where credited elsewhere. </a:t>
+            </a:r>
+            <a:r>
+              <a:rPr lang="en-US" sz="700" dirty="0" smtClean="0">
+                <a:latin typeface="Montserrat"/>
+              </a:rPr>
+              <a:t> This work is licensed under a Creative Commons</a:t>
+            </a:r>
+          </a:p>
+          <a:p>
+            <a:pPr algn="l" eaLnBrk="1" hangingPunct="1">
+              <a:defRPr/>
+            </a:pPr>
+            <a:r>
+              <a:rPr lang="en-US" sz="700" dirty="0" smtClean="0">
+                <a:latin typeface="Montserrat"/>
+              </a:rPr>
+              <a:t> Attribution-</a:t>
+            </a:r>
+            <a:r>
+              <a:rPr lang="en-US" sz="700" dirty="0" err="1" smtClean="0">
+                <a:latin typeface="Montserrat"/>
+              </a:rPr>
+              <a:t>NonCommercial</a:t>
+            </a:r>
+            <a:r>
+              <a:rPr lang="en-US" sz="700" dirty="0" smtClean="0">
+                <a:latin typeface="Montserrat"/>
+              </a:rPr>
+              <a:t>-</a:t>
+            </a:r>
+            <a:r>
+              <a:rPr lang="en-US" sz="700" dirty="0" err="1" smtClean="0">
+                <a:latin typeface="Montserrat"/>
+              </a:rPr>
+              <a:t>ShareAlike</a:t>
+            </a:r>
+            <a:r>
+              <a:rPr lang="en-US" sz="700" dirty="0" smtClean="0">
+                <a:latin typeface="Montserrat"/>
+              </a:rPr>
+              <a:t> 4.0 International License</a:t>
+            </a:r>
+            <a:br>
+              <a:rPr lang="en-US" sz="700" dirty="0" smtClean="0">
+                <a:latin typeface="Montserrat"/>
+              </a:rPr>
+            </a:br>
+            <a:r>
+              <a:rPr lang="en-US" sz="700" dirty="0" smtClean="0">
+                <a:latin typeface="Montserrat"/>
+              </a:rPr>
+              <a:t>See  </a:t>
+            </a:r>
+            <a:r>
+              <a:rPr lang="en-US" sz="700" dirty="0" smtClean="0">
+                <a:latin typeface="Montserrat"/>
+                <a:hlinkClick r:id="rId15"/>
+              </a:rPr>
+              <a:t>http://creativecommons.org/licenses/by-nc-sa/4.0/</a:t>
+            </a:r>
+            <a:r>
+              <a:rPr lang="en-US" sz="700" dirty="0" smtClean="0">
+                <a:latin typeface="Montserrat"/>
+              </a:rPr>
+              <a:t> </a:t>
+            </a:r>
+          </a:p>
+        </p:txBody>
+      </p:sp>
+      <p:pic>
+        <p:nvPicPr>
+          <p:cNvPr id="26" name="Picture 25"/>
+          <p:cNvPicPr>
+            <a:picLocks noChangeAspect="1"/>
+          </p:cNvPicPr>
+          <p:nvPr userDrawn="1"/>
+        </p:nvPicPr>
+        <p:blipFill>
+          <a:blip r:embed="rId16"/>
+          <a:stretch>
+            <a:fillRect/>
+          </a:stretch>
+        </p:blipFill>
+        <p:spPr>
+          <a:xfrm>
+            <a:off x="375635" y="6428175"/>
+            <a:ext cx="792765" cy="279269"/>
+          </a:xfrm>
+          <a:prstGeom prst="rect">
+            <a:avLst/>
+          </a:prstGeom>
         </p:spPr>
       </p:pic>
     </p:spTree>
@@ -5881,7 +5882,7 @@
           <a:solidFill>
             <a:schemeClr val="tx1"/>
           </a:solidFill>
-          <a:latin typeface="Calisto MT"/>
+          <a:latin typeface="Montserrat"/>
           <a:ea typeface="+mj-ea"/>
           <a:cs typeface="+mj-cs"/>
         </a:defRPr>
@@ -5898,7 +5899,7 @@
           <a:solidFill>
             <a:schemeClr val="tx1"/>
           </a:solidFill>
-          <a:latin typeface="Calisto MT"/>
+          <a:latin typeface="Montserrat"/>
           <a:ea typeface="+mn-ea"/>
           <a:cs typeface="+mn-cs"/>
         </a:defRPr>
@@ -5913,7 +5914,7 @@
           <a:solidFill>
             <a:schemeClr val="tx1"/>
           </a:solidFill>
-          <a:latin typeface="Calisto MT"/>
+          <a:latin typeface="Montserrat"/>
           <a:ea typeface="+mn-ea"/>
           <a:cs typeface="+mn-cs"/>
         </a:defRPr>
@@ -5928,7 +5929,7 @@
           <a:solidFill>
             <a:schemeClr val="tx1"/>
           </a:solidFill>
-          <a:latin typeface="Calisto MT"/>
+          <a:latin typeface="Montserrat"/>
           <a:ea typeface="+mn-ea"/>
           <a:cs typeface="+mn-cs"/>
         </a:defRPr>
@@ -5943,7 +5944,7 @@
           <a:solidFill>
             <a:schemeClr val="tx1"/>
           </a:solidFill>
-          <a:latin typeface="Calisto MT"/>
+          <a:latin typeface="Montserrat"/>
           <a:ea typeface="+mn-ea"/>
           <a:cs typeface="+mn-cs"/>
         </a:defRPr>
@@ -5958,7 +5959,7 @@
           <a:solidFill>
             <a:schemeClr val="tx1"/>
           </a:solidFill>
-          <a:latin typeface="Calisto MT"/>
+          <a:latin typeface="Montserrat"/>
           <a:ea typeface="+mn-ea"/>
           <a:cs typeface="+mn-cs"/>
         </a:defRPr>
@@ -6182,7 +6183,9 @@
         </p:nvSpPr>
         <p:spPr/>
         <p:txBody>
-          <a:bodyPr/>
+          <a:bodyPr>
+            <a:normAutofit fontScale="92500" lnSpcReduction="20000"/>
+          </a:bodyPr>
           <a:lstStyle/>
           <a:p>
             <a:r>
@@ -6293,7 +6296,7 @@
         <p:spPr/>
         <p:txBody>
           <a:bodyPr>
-            <a:normAutofit fontScale="85000" lnSpcReduction="10000"/>
+            <a:normAutofit fontScale="85000" lnSpcReduction="20000"/>
           </a:bodyPr>
           <a:lstStyle/>
           <a:p>
@@ -6623,7 +6626,7 @@
         <p:spPr/>
         <p:txBody>
           <a:bodyPr>
-            <a:normAutofit fontScale="92500" lnSpcReduction="20000"/>
+            <a:normAutofit fontScale="85000" lnSpcReduction="10000"/>
           </a:bodyPr>
           <a:lstStyle/>
           <a:p>
@@ -6942,7 +6945,7 @@
         <p:spPr/>
         <p:txBody>
           <a:bodyPr>
-            <a:normAutofit fontScale="70000" lnSpcReduction="20000"/>
+            <a:normAutofit fontScale="62500" lnSpcReduction="20000"/>
           </a:bodyPr>
           <a:lstStyle/>
           <a:p>
@@ -7919,7 +7922,7 @@
         <p:spPr/>
         <p:txBody>
           <a:bodyPr>
-            <a:normAutofit fontScale="85000" lnSpcReduction="10000"/>
+            <a:normAutofit fontScale="77500" lnSpcReduction="20000"/>
           </a:bodyPr>
           <a:lstStyle/>
           <a:p>
@@ -8190,7 +8193,7 @@
         <p:spPr/>
         <p:txBody>
           <a:bodyPr>
-            <a:normAutofit fontScale="92500" lnSpcReduction="20000"/>
+            <a:normAutofit fontScale="85000" lnSpcReduction="20000"/>
           </a:bodyPr>
           <a:lstStyle/>
           <a:p>
@@ -8648,7 +8651,9 @@
         </p:nvSpPr>
         <p:spPr/>
         <p:txBody>
-          <a:bodyPr/>
+          <a:bodyPr>
+            <a:normAutofit fontScale="90000"/>
+          </a:bodyPr>
           <a:lstStyle/>
           <a:p>
             <a:r>

--- a/presentation-source/04-REST-Intro.pptx
+++ b/presentation-source/04-REST-Intro.pptx
@@ -215,7 +215,7 @@
             <a:fld id="{7307762F-A706-E543-A832-3C298AA3103F}" type="datetimeFigureOut">
               <a:rPr lang="en-US" smtClean="0"/>
               <a:pPr/>
-              <a:t>10/06/16</a:t>
+              <a:t>21/06/16</a:t>
             </a:fld>
             <a:endParaRPr lang="en-US" dirty="0"/>
           </a:p>
@@ -1227,7 +1227,7 @@
           <a:p>
             <a:fld id="{875CF0EB-321F-0749-B37A-89BBA859503C}" type="datetimeFigureOut">
               <a:rPr lang="en-US" smtClean="0"/>
-              <a:t>10/06/16</a:t>
+              <a:t>21/06/16</a:t>
             </a:fld>
             <a:endParaRPr lang="en-US"/>
           </a:p>
@@ -1431,7 +1431,7 @@
           <a:p>
             <a:fld id="{875CF0EB-321F-0749-B37A-89BBA859503C}" type="datetimeFigureOut">
               <a:rPr lang="en-US" smtClean="0"/>
-              <a:t>10/06/16</a:t>
+              <a:t>21/06/16</a:t>
             </a:fld>
             <a:endParaRPr lang="en-US"/>
           </a:p>
@@ -1625,7 +1625,7 @@
           <a:p>
             <a:fld id="{875CF0EB-321F-0749-B37A-89BBA859503C}" type="datetimeFigureOut">
               <a:rPr lang="en-US" smtClean="0"/>
-              <a:t>10/06/16</a:t>
+              <a:t>21/06/16</a:t>
             </a:fld>
             <a:endParaRPr lang="en-US"/>
           </a:p>
@@ -1895,7 +1895,7 @@
           <a:p>
             <a:fld id="{875CF0EB-321F-0749-B37A-89BBA859503C}" type="datetimeFigureOut">
               <a:rPr lang="en-US" smtClean="0"/>
-              <a:t>10/06/16</a:t>
+              <a:t>21/06/16</a:t>
             </a:fld>
             <a:endParaRPr lang="en-US"/>
           </a:p>
@@ -2207,7 +2207,7 @@
           <a:p>
             <a:fld id="{875CF0EB-321F-0749-B37A-89BBA859503C}" type="datetimeFigureOut">
               <a:rPr lang="en-US" smtClean="0"/>
-              <a:t>10/06/16</a:t>
+              <a:t>21/06/16</a:t>
             </a:fld>
             <a:endParaRPr lang="en-US"/>
           </a:p>
@@ -2653,7 +2653,7 @@
           <a:p>
             <a:fld id="{875CF0EB-321F-0749-B37A-89BBA859503C}" type="datetimeFigureOut">
               <a:rPr lang="en-US" smtClean="0"/>
-              <a:t>10/06/16</a:t>
+              <a:t>21/06/16</a:t>
             </a:fld>
             <a:endParaRPr lang="en-US"/>
           </a:p>
@@ -2795,7 +2795,7 @@
           <a:p>
             <a:fld id="{875CF0EB-321F-0749-B37A-89BBA859503C}" type="datetimeFigureOut">
               <a:rPr lang="en-US" smtClean="0"/>
-              <a:t>10/06/16</a:t>
+              <a:t>21/06/16</a:t>
             </a:fld>
             <a:endParaRPr lang="en-US"/>
           </a:p>
@@ -2914,7 +2914,7 @@
           <a:p>
             <a:fld id="{875CF0EB-321F-0749-B37A-89BBA859503C}" type="datetimeFigureOut">
               <a:rPr lang="en-US" smtClean="0"/>
-              <a:t>10/06/16</a:t>
+              <a:t>21/06/16</a:t>
             </a:fld>
             <a:endParaRPr lang="en-US"/>
           </a:p>
@@ -3215,7 +3215,7 @@
           <a:p>
             <a:fld id="{875CF0EB-321F-0749-B37A-89BBA859503C}" type="datetimeFigureOut">
               <a:rPr lang="en-US" smtClean="0"/>
-              <a:t>10/06/16</a:t>
+              <a:t>21/06/16</a:t>
             </a:fld>
             <a:endParaRPr lang="en-US"/>
           </a:p>
@@ -3492,7 +3492,7 @@
           <a:p>
             <a:fld id="{875CF0EB-321F-0749-B37A-89BBA859503C}" type="datetimeFigureOut">
               <a:rPr lang="en-US" smtClean="0"/>
-              <a:t>10/06/16</a:t>
+              <a:t>21/06/16</a:t>
             </a:fld>
             <a:endParaRPr lang="en-US"/>
           </a:p>
@@ -5750,19 +5750,7 @@
               <a:rPr lang="en-US" sz="700" dirty="0" smtClean="0">
                 <a:latin typeface="Montserrat"/>
               </a:rPr>
-              <a:t>© Paul Fremantle </a:t>
-            </a:r>
-            <a:r>
-              <a:rPr lang="en-US" sz="700" dirty="0" smtClean="0">
-                <a:latin typeface="Montserrat"/>
-              </a:rPr>
-              <a:t>2016 except where credited elsewhere. </a:t>
-            </a:r>
-            <a:r>
-              <a:rPr lang="en-US" sz="700" dirty="0" smtClean="0">
-                <a:latin typeface="Montserrat"/>
-              </a:rPr>
-              <a:t> This work is licensed under a Creative Commons</a:t>
+              <a:t>© Paul Fremantle 2016 except where credited elsewhere.  This work is licensed under a Creative Commons</a:t>
             </a:r>
           </a:p>
           <a:p>
@@ -6223,6 +6211,32 @@
           </a:p>
         </p:txBody>
       </p:sp>
+      <p:sp>
+        <p:nvSpPr>
+          <p:cNvPr id="3" name="TextBox 2"/>
+          <p:cNvSpPr txBox="1"/>
+          <p:nvPr/>
+        </p:nvSpPr>
+        <p:spPr>
+          <a:xfrm>
+            <a:off x="-1596231" y="926699"/>
+            <a:ext cx="184666" cy="369332"/>
+          </a:xfrm>
+          <a:prstGeom prst="rect">
+            <a:avLst/>
+          </a:prstGeom>
+          <a:noFill/>
+        </p:spPr>
+        <p:txBody>
+          <a:bodyPr wrap="none" rtlCol="0">
+            <a:spAutoFit/>
+          </a:bodyPr>
+          <a:lstStyle/>
+          <a:p>
+            <a:endParaRPr lang="en-US" dirty="0"/>
+          </a:p>
+        </p:txBody>
+      </p:sp>
     </p:spTree>
     <p:extLst>
       <p:ext uri="{BB962C8B-B14F-4D97-AF65-F5344CB8AC3E}">
@@ -6562,6 +6576,13 @@
   <p:clrMapOvr>
     <a:masterClrMapping/>
   </p:clrMapOvr>
+  <p:timing>
+    <p:tnLst>
+      <p:par>
+        <p:cTn xmlns:p14="http://schemas.microsoft.com/office/powerpoint/2010/main" id="1" dur="indefinite" restart="never" nodeType="tmRoot"/>
+      </p:par>
+    </p:tnLst>
+  </p:timing>
 </p:sld>
 </file>
 
@@ -6729,6 +6750,13 @@
   <p:clrMapOvr>
     <a:masterClrMapping/>
   </p:clrMapOvr>
+  <p:timing>
+    <p:tnLst>
+      <p:par>
+        <p:cTn xmlns:p14="http://schemas.microsoft.com/office/powerpoint/2010/main" id="1" dur="indefinite" restart="never" nodeType="tmRoot"/>
+      </p:par>
+    </p:tnLst>
+  </p:timing>
 </p:sld>
 </file>
 
@@ -7596,6 +7624,13 @@
   <p:clrMapOvr>
     <a:masterClrMapping/>
   </p:clrMapOvr>
+  <p:timing>
+    <p:tnLst>
+      <p:par>
+        <p:cTn xmlns:p14="http://schemas.microsoft.com/office/powerpoint/2010/main" id="1" dur="indefinite" restart="never" nodeType="tmRoot"/>
+      </p:par>
+    </p:tnLst>
+  </p:timing>
 </p:sld>
 </file>
 
@@ -7649,6 +7684,13 @@
   <p:clrMapOvr>
     <a:masterClrMapping/>
   </p:clrMapOvr>
+  <p:timing>
+    <p:tnLst>
+      <p:par>
+        <p:cTn xmlns:p14="http://schemas.microsoft.com/office/powerpoint/2010/main" id="1" dur="indefinite" restart="never" nodeType="tmRoot"/>
+      </p:par>
+    </p:tnLst>
+  </p:timing>
 </p:sld>
 </file>
 
@@ -7866,6 +7908,13 @@
   <p:clrMapOvr>
     <a:masterClrMapping/>
   </p:clrMapOvr>
+  <p:timing>
+    <p:tnLst>
+      <p:par>
+        <p:cTn xmlns:p14="http://schemas.microsoft.com/office/powerpoint/2010/main" id="1" dur="indefinite" restart="never" nodeType="tmRoot"/>
+      </p:par>
+    </p:tnLst>
+  </p:timing>
 </p:sld>
 </file>
 
@@ -8032,6 +8081,13 @@
   <p:clrMapOvr>
     <a:masterClrMapping/>
   </p:clrMapOvr>
+  <p:timing>
+    <p:tnLst>
+      <p:par>
+        <p:cTn xmlns:p14="http://schemas.microsoft.com/office/powerpoint/2010/main" id="1" dur="indefinite" restart="never" nodeType="tmRoot"/>
+      </p:par>
+    </p:tnLst>
+  </p:timing>
 </p:sld>
 </file>
 
@@ -8137,6 +8193,13 @@
   <p:clrMapOvr>
     <a:masterClrMapping/>
   </p:clrMapOvr>
+  <p:timing>
+    <p:tnLst>
+      <p:par>
+        <p:cTn xmlns:p14="http://schemas.microsoft.com/office/powerpoint/2010/main" id="1" dur="indefinite" restart="never" nodeType="tmRoot"/>
+      </p:par>
+    </p:tnLst>
+  </p:timing>
 </p:sld>
 </file>
 
@@ -8297,6 +8360,13 @@
   <p:clrMapOvr>
     <a:masterClrMapping/>
   </p:clrMapOvr>
+  <p:timing>
+    <p:tnLst>
+      <p:par>
+        <p:cTn xmlns:p14="http://schemas.microsoft.com/office/powerpoint/2010/main" id="1" dur="indefinite" restart="never" nodeType="tmRoot"/>
+      </p:par>
+    </p:tnLst>
+  </p:timing>
 </p:sld>
 </file>
 
@@ -8425,6 +8495,13 @@
   <p:clrMapOvr>
     <a:masterClrMapping/>
   </p:clrMapOvr>
+  <p:timing>
+    <p:tnLst>
+      <p:par>
+        <p:cTn xmlns:p14="http://schemas.microsoft.com/office/powerpoint/2010/main" id="1" dur="indefinite" restart="never" nodeType="tmRoot"/>
+      </p:par>
+    </p:tnLst>
+  </p:timing>
 </p:sld>
 </file>
 
@@ -8526,6 +8603,13 @@
   <p:clrMapOvr>
     <a:masterClrMapping/>
   </p:clrMapOvr>
+  <p:timing>
+    <p:tnLst>
+      <p:par>
+        <p:cTn xmlns:p14="http://schemas.microsoft.com/office/powerpoint/2010/main" id="1" dur="indefinite" restart="never" nodeType="tmRoot"/>
+      </p:par>
+    </p:tnLst>
+  </p:timing>
 </p:sld>
 </file>
 
@@ -8619,6 +8703,13 @@
   <p:clrMapOvr>
     <a:masterClrMapping/>
   </p:clrMapOvr>
+  <p:timing>
+    <p:tnLst>
+      <p:par>
+        <p:cTn xmlns:p14="http://schemas.microsoft.com/office/powerpoint/2010/main" id="1" dur="indefinite" restart="never" nodeType="tmRoot"/>
+      </p:par>
+    </p:tnLst>
+  </p:timing>
 </p:sld>
 </file>
 
@@ -8756,6 +8847,13 @@
   <p:clrMapOvr>
     <a:masterClrMapping/>
   </p:clrMapOvr>
+  <p:timing>
+    <p:tnLst>
+      <p:par>
+        <p:cTn xmlns:p14="http://schemas.microsoft.com/office/powerpoint/2010/main" id="1" dur="indefinite" restart="never" nodeType="tmRoot"/>
+      </p:par>
+    </p:tnLst>
+  </p:timing>
 </p:sld>
 </file>
 
@@ -8833,6 +8931,13 @@
   <p:clrMapOvr>
     <a:masterClrMapping/>
   </p:clrMapOvr>
+  <p:timing>
+    <p:tnLst>
+      <p:par>
+        <p:cTn xmlns:p14="http://schemas.microsoft.com/office/powerpoint/2010/main" id="1" dur="indefinite" restart="never" nodeType="tmRoot"/>
+      </p:par>
+    </p:tnLst>
+  </p:timing>
 </p:sld>
 </file>
 

--- a/presentation-source/04-REST-Intro.pptx
+++ b/presentation-source/04-REST-Intro.pptx
@@ -5,28 +5,34 @@
     <p:sldMasterId id="2147483648" r:id="rId1"/>
   </p:sldMasterIdLst>
   <p:notesMasterIdLst>
-    <p:notesMasterId r:id="rId21"/>
+    <p:notesMasterId r:id="rId27"/>
   </p:notesMasterIdLst>
   <p:sldIdLst>
     <p:sldId id="256" r:id="rId2"/>
     <p:sldId id="285" r:id="rId3"/>
     <p:sldId id="287" r:id="rId4"/>
-    <p:sldId id="289" r:id="rId5"/>
-    <p:sldId id="290" r:id="rId6"/>
-    <p:sldId id="257" r:id="rId7"/>
-    <p:sldId id="258" r:id="rId8"/>
-    <p:sldId id="281" r:id="rId9"/>
-    <p:sldId id="294" r:id="rId10"/>
-    <p:sldId id="293" r:id="rId11"/>
-    <p:sldId id="282" r:id="rId12"/>
-    <p:sldId id="262" r:id="rId13"/>
-    <p:sldId id="263" r:id="rId14"/>
-    <p:sldId id="292" r:id="rId15"/>
-    <p:sldId id="260" r:id="rId16"/>
-    <p:sldId id="295" r:id="rId17"/>
-    <p:sldId id="265" r:id="rId18"/>
-    <p:sldId id="266" r:id="rId19"/>
-    <p:sldId id="267" r:id="rId20"/>
+    <p:sldId id="301" r:id="rId5"/>
+    <p:sldId id="289" r:id="rId6"/>
+    <p:sldId id="290" r:id="rId7"/>
+    <p:sldId id="257" r:id="rId8"/>
+    <p:sldId id="258" r:id="rId9"/>
+    <p:sldId id="281" r:id="rId10"/>
+    <p:sldId id="294" r:id="rId11"/>
+    <p:sldId id="293" r:id="rId12"/>
+    <p:sldId id="282" r:id="rId13"/>
+    <p:sldId id="262" r:id="rId14"/>
+    <p:sldId id="263" r:id="rId15"/>
+    <p:sldId id="292" r:id="rId16"/>
+    <p:sldId id="260" r:id="rId17"/>
+    <p:sldId id="296" r:id="rId18"/>
+    <p:sldId id="297" r:id="rId19"/>
+    <p:sldId id="298" r:id="rId20"/>
+    <p:sldId id="299" r:id="rId21"/>
+    <p:sldId id="300" r:id="rId22"/>
+    <p:sldId id="295" r:id="rId23"/>
+    <p:sldId id="265" r:id="rId24"/>
+    <p:sldId id="266" r:id="rId25"/>
+    <p:sldId id="267" r:id="rId26"/>
   </p:sldIdLst>
   <p:sldSz cx="9144000" cy="6858000" type="screen4x3"/>
   <p:notesSz cx="6858000" cy="9144000"/>
@@ -215,7 +221,7 @@
             <a:fld id="{7307762F-A706-E543-A832-3C298AA3103F}" type="datetimeFigureOut">
               <a:rPr lang="en-US" smtClean="0"/>
               <a:pPr/>
-              <a:t>21/06/16</a:t>
+              <a:t>07/05/17</a:t>
             </a:fld>
             <a:endParaRPr lang="en-US" dirty="0"/>
           </a:p>
@@ -677,7 +683,7 @@
           <a:p>
             <a:fld id="{4C8664AA-B0B2-4135-A54D-0C5FA1ABBA12}" type="slidenum">
               <a:rPr lang="en-US" smtClean="0"/>
-              <a:t>17</a:t>
+              <a:t>23</a:t>
             </a:fld>
             <a:endParaRPr lang="en-US"/>
           </a:p>
@@ -914,7 +920,7 @@
           <a:p>
             <a:fld id="{4C8664AA-B0B2-4135-A54D-0C5FA1ABBA12}" type="slidenum">
               <a:rPr lang="en-US" smtClean="0"/>
-              <a:t>18</a:t>
+              <a:t>24</a:t>
             </a:fld>
             <a:endParaRPr lang="en-US"/>
           </a:p>
@@ -1227,7 +1233,7 @@
           <a:p>
             <a:fld id="{875CF0EB-321F-0749-B37A-89BBA859503C}" type="datetimeFigureOut">
               <a:rPr lang="en-US" smtClean="0"/>
-              <a:t>21/06/16</a:t>
+              <a:t>07/05/17</a:t>
             </a:fld>
             <a:endParaRPr lang="en-US"/>
           </a:p>
@@ -1431,7 +1437,7 @@
           <a:p>
             <a:fld id="{875CF0EB-321F-0749-B37A-89BBA859503C}" type="datetimeFigureOut">
               <a:rPr lang="en-US" smtClean="0"/>
-              <a:t>21/06/16</a:t>
+              <a:t>07/05/17</a:t>
             </a:fld>
             <a:endParaRPr lang="en-US"/>
           </a:p>
@@ -1625,7 +1631,7 @@
           <a:p>
             <a:fld id="{875CF0EB-321F-0749-B37A-89BBA859503C}" type="datetimeFigureOut">
               <a:rPr lang="en-US" smtClean="0"/>
-              <a:t>21/06/16</a:t>
+              <a:t>07/05/17</a:t>
             </a:fld>
             <a:endParaRPr lang="en-US"/>
           </a:p>
@@ -1895,7 +1901,7 @@
           <a:p>
             <a:fld id="{875CF0EB-321F-0749-B37A-89BBA859503C}" type="datetimeFigureOut">
               <a:rPr lang="en-US" smtClean="0"/>
-              <a:t>21/06/16</a:t>
+              <a:t>07/05/17</a:t>
             </a:fld>
             <a:endParaRPr lang="en-US"/>
           </a:p>
@@ -2207,7 +2213,7 @@
           <a:p>
             <a:fld id="{875CF0EB-321F-0749-B37A-89BBA859503C}" type="datetimeFigureOut">
               <a:rPr lang="en-US" smtClean="0"/>
-              <a:t>21/06/16</a:t>
+              <a:t>07/05/17</a:t>
             </a:fld>
             <a:endParaRPr lang="en-US"/>
           </a:p>
@@ -2653,7 +2659,7 @@
           <a:p>
             <a:fld id="{875CF0EB-321F-0749-B37A-89BBA859503C}" type="datetimeFigureOut">
               <a:rPr lang="en-US" smtClean="0"/>
-              <a:t>21/06/16</a:t>
+              <a:t>07/05/17</a:t>
             </a:fld>
             <a:endParaRPr lang="en-US"/>
           </a:p>
@@ -2795,7 +2801,7 @@
           <a:p>
             <a:fld id="{875CF0EB-321F-0749-B37A-89BBA859503C}" type="datetimeFigureOut">
               <a:rPr lang="en-US" smtClean="0"/>
-              <a:t>21/06/16</a:t>
+              <a:t>07/05/17</a:t>
             </a:fld>
             <a:endParaRPr lang="en-US"/>
           </a:p>
@@ -2914,7 +2920,7 @@
           <a:p>
             <a:fld id="{875CF0EB-321F-0749-B37A-89BBA859503C}" type="datetimeFigureOut">
               <a:rPr lang="en-US" smtClean="0"/>
-              <a:t>21/06/16</a:t>
+              <a:t>07/05/17</a:t>
             </a:fld>
             <a:endParaRPr lang="en-US"/>
           </a:p>
@@ -3215,7 +3221,7 @@
           <a:p>
             <a:fld id="{875CF0EB-321F-0749-B37A-89BBA859503C}" type="datetimeFigureOut">
               <a:rPr lang="en-US" smtClean="0"/>
-              <a:t>21/06/16</a:t>
+              <a:t>07/05/17</a:t>
             </a:fld>
             <a:endParaRPr lang="en-US"/>
           </a:p>
@@ -3492,7 +3498,7 @@
           <a:p>
             <a:fld id="{875CF0EB-321F-0749-B37A-89BBA859503C}" type="datetimeFigureOut">
               <a:rPr lang="en-US" smtClean="0"/>
-              <a:t>21/06/16</a:t>
+              <a:t>07/05/17</a:t>
             </a:fld>
             <a:endParaRPr lang="en-US"/>
           </a:p>
@@ -6199,7 +6205,7 @@
                 <a:ea typeface="ヒラギノ角ゴ ProN W3" charset="0"/>
                 <a:cs typeface="ヒラギノ角ゴ ProN W3" charset="0"/>
               </a:rPr>
-              <a:t>June 2016</a:t>
+              <a:t>May 2017</a:t>
             </a:r>
             <a:endParaRPr lang="en-US" dirty="0">
               <a:ea typeface="ヒラギノ角ゴ ProN W3" charset="0"/>
@@ -6291,285 +6297,40 @@
           <a:p>
             <a:r>
               <a:rPr lang="en-US" dirty="0" smtClean="0"/>
-              <a:t>HTTP good bad and ugly</a:t>
+              <a:t>Richardson’s Maturity Model</a:t>
             </a:r>
             <a:endParaRPr lang="en-US" dirty="0"/>
           </a:p>
         </p:txBody>
       </p:sp>
-      <p:sp>
-        <p:nvSpPr>
-          <p:cNvPr id="3" name="Content Placeholder 2"/>
-          <p:cNvSpPr>
-            <a:spLocks noGrp="1"/>
-          </p:cNvSpPr>
-          <p:nvPr>
-            <p:ph idx="1"/>
-          </p:nvPr>
-        </p:nvSpPr>
-        <p:spPr/>
-        <p:txBody>
-          <a:bodyPr>
-            <a:normAutofit fontScale="85000" lnSpcReduction="20000"/>
-          </a:bodyPr>
-          <a:lstStyle/>
-          <a:p>
-            <a:r>
-              <a:rPr lang="en-US" dirty="0" smtClean="0"/>
-              <a:t>Good</a:t>
-            </a:r>
-          </a:p>
-          <a:p>
-            <a:pPr lvl="1"/>
-            <a:r>
-              <a:rPr lang="en-US" dirty="0" smtClean="0"/>
-              <a:t>GET </a:t>
-            </a:r>
-            <a:r>
-              <a:rPr lang="en-US" dirty="0"/>
-              <a:t>reports/open-bugs HTTP/1.1</a:t>
-            </a:r>
-          </a:p>
-          <a:p>
-            <a:pPr lvl="2"/>
-            <a:r>
-              <a:rPr lang="en-US" dirty="0"/>
-              <a:t>in contrast to RPC-style interaction</a:t>
-            </a:r>
-          </a:p>
-          <a:p>
-            <a:r>
-              <a:rPr lang="en-US" dirty="0" smtClean="0"/>
-              <a:t>Bad</a:t>
-            </a:r>
-          </a:p>
-          <a:p>
-            <a:pPr lvl="1"/>
-            <a:r>
-              <a:rPr lang="en-US" dirty="0" smtClean="0">
-                <a:latin typeface="Lucida Console"/>
-                <a:cs typeface="Lucida Console"/>
-              </a:rPr>
-              <a:t>POST </a:t>
-            </a:r>
-            <a:r>
-              <a:rPr lang="en-US" dirty="0">
-                <a:latin typeface="Lucida Console"/>
-                <a:cs typeface="Lucida Console"/>
-              </a:rPr>
-              <a:t>/</a:t>
-            </a:r>
-            <a:r>
-              <a:rPr lang="en-US" dirty="0" err="1">
-                <a:latin typeface="Lucida Console"/>
-                <a:cs typeface="Lucida Console"/>
-              </a:rPr>
-              <a:t>rpc</a:t>
-            </a:r>
-            <a:r>
-              <a:rPr lang="en-US" dirty="0">
-                <a:latin typeface="Lucida Console"/>
-                <a:cs typeface="Lucida Console"/>
-              </a:rPr>
-              <a:t> HTTP/1.1</a:t>
-            </a:r>
-            <a:br>
-              <a:rPr lang="en-US" dirty="0">
-                <a:latin typeface="Lucida Console"/>
-                <a:cs typeface="Lucida Console"/>
-              </a:rPr>
-            </a:br>
-            <a:r>
-              <a:rPr lang="en-US" dirty="0">
-                <a:latin typeface="Lucida Console"/>
-                <a:cs typeface="Lucida Console"/>
-              </a:rPr>
-              <a:t>Host: </a:t>
-            </a:r>
-            <a:r>
-              <a:rPr lang="en-US" dirty="0" err="1">
-                <a:latin typeface="Lucida Console"/>
-                <a:cs typeface="Lucida Console"/>
-              </a:rPr>
-              <a:t>www.upcdatabase.com</a:t>
-            </a:r>
-            <a:r>
-              <a:rPr lang="en-US" dirty="0">
-                <a:latin typeface="Lucida Console"/>
-                <a:cs typeface="Lucida Console"/>
-              </a:rPr>
-              <a:t/>
-            </a:r>
-            <a:br>
-              <a:rPr lang="en-US" dirty="0">
-                <a:latin typeface="Lucida Console"/>
-                <a:cs typeface="Lucida Console"/>
-              </a:rPr>
-            </a:br>
-            <a:r>
-              <a:rPr lang="en-US" dirty="0">
-                <a:latin typeface="Lucida Console"/>
-                <a:cs typeface="Lucida Console"/>
-              </a:rPr>
-              <a:t>&lt;?xml version="1.0”&gt;</a:t>
-            </a:r>
-            <a:br>
-              <a:rPr lang="en-US" dirty="0">
-                <a:latin typeface="Lucida Console"/>
-                <a:cs typeface="Lucida Console"/>
-              </a:rPr>
-            </a:br>
-            <a:r>
-              <a:rPr lang="en-US" dirty="0">
-                <a:latin typeface="Lucida Console"/>
-                <a:cs typeface="Lucida Console"/>
-              </a:rPr>
-              <a:t>	&lt;</a:t>
-            </a:r>
-            <a:r>
-              <a:rPr lang="en-US" dirty="0" err="1">
-                <a:latin typeface="Lucida Console"/>
-                <a:cs typeface="Lucida Console"/>
-              </a:rPr>
-              <a:t>methodCall</a:t>
-            </a:r>
-            <a:r>
-              <a:rPr lang="en-US" dirty="0">
-                <a:latin typeface="Lucida Console"/>
-                <a:cs typeface="Lucida Console"/>
-              </a:rPr>
-              <a:t>&gt;</a:t>
-            </a:r>
-            <a:br>
-              <a:rPr lang="en-US" dirty="0">
-                <a:latin typeface="Lucida Console"/>
-                <a:cs typeface="Lucida Console"/>
-              </a:rPr>
-            </a:br>
-            <a:r>
-              <a:rPr lang="en-US" dirty="0">
-                <a:latin typeface="Lucida Console"/>
-                <a:cs typeface="Lucida Console"/>
-              </a:rPr>
-              <a:t>	&lt;</a:t>
-            </a:r>
-            <a:r>
-              <a:rPr lang="en-US" dirty="0" err="1">
-                <a:latin typeface="Lucida Console"/>
-                <a:cs typeface="Lucida Console"/>
-              </a:rPr>
-              <a:t>methodName</a:t>
-            </a:r>
-            <a:r>
-              <a:rPr lang="en-US" dirty="0">
-                <a:latin typeface="Lucida Console"/>
-                <a:cs typeface="Lucida Console"/>
-              </a:rPr>
-              <a:t>&gt;</a:t>
-            </a:r>
-            <a:r>
-              <a:rPr lang="en-US" dirty="0" err="1">
-                <a:latin typeface="Lucida Console"/>
-                <a:cs typeface="Lucida Console"/>
-              </a:rPr>
-              <a:t>lookupUPC</a:t>
-            </a:r>
-            <a:r>
-              <a:rPr lang="en-US" dirty="0">
-                <a:latin typeface="Lucida Console"/>
-                <a:cs typeface="Lucida Console"/>
-              </a:rPr>
-              <a:t>&lt;/</a:t>
-            </a:r>
-            <a:r>
-              <a:rPr lang="en-US" dirty="0" err="1">
-                <a:latin typeface="Lucida Console"/>
-                <a:cs typeface="Lucida Console"/>
-              </a:rPr>
-              <a:t>methodName</a:t>
-            </a:r>
-            <a:r>
-              <a:rPr lang="en-US" dirty="0">
-                <a:latin typeface="Lucida Console"/>
-                <a:cs typeface="Lucida Console"/>
-              </a:rPr>
-              <a:t>&gt; …</a:t>
-            </a:r>
-            <a:br>
-              <a:rPr lang="en-US" dirty="0">
-                <a:latin typeface="Lucida Console"/>
-                <a:cs typeface="Lucida Console"/>
-              </a:rPr>
-            </a:br>
-            <a:r>
-              <a:rPr lang="en-US" dirty="0">
-                <a:latin typeface="Lucida Console"/>
-                <a:cs typeface="Lucida Console"/>
-              </a:rPr>
-              <a:t>&lt;/</a:t>
-            </a:r>
-            <a:r>
-              <a:rPr lang="en-US" dirty="0" err="1">
-                <a:latin typeface="Lucida Console"/>
-                <a:cs typeface="Lucida Console"/>
-              </a:rPr>
-              <a:t>methodCall</a:t>
-            </a:r>
-            <a:r>
-              <a:rPr lang="en-US" dirty="0">
-                <a:latin typeface="Lucida Console"/>
-                <a:cs typeface="Lucida Console"/>
-              </a:rPr>
-              <a:t>&gt;</a:t>
-            </a:r>
-          </a:p>
-          <a:p>
-            <a:r>
-              <a:rPr lang="en-US" dirty="0" smtClean="0"/>
-              <a:t>Ugly</a:t>
-            </a:r>
-            <a:endParaRPr lang="en-US" dirty="0"/>
-          </a:p>
-          <a:p>
-            <a:pPr lvl="1"/>
-            <a:r>
-              <a:rPr lang="en-US" sz="2400" dirty="0"/>
-              <a:t>http://</a:t>
-            </a:r>
-            <a:r>
-              <a:rPr lang="en-US" sz="2400" dirty="0" err="1"/>
-              <a:t>www.flickr.com</a:t>
-            </a:r>
-            <a:r>
-              <a:rPr lang="en-US" sz="2400" dirty="0"/>
-              <a:t>/services/</a:t>
-            </a:r>
-            <a:r>
-              <a:rPr lang="en-US" sz="2400" dirty="0" err="1"/>
-              <a:t>rest?method</a:t>
-            </a:r>
-            <a:r>
-              <a:rPr lang="en-US" sz="2400" dirty="0"/>
-              <a:t>=</a:t>
-            </a:r>
-            <a:r>
-              <a:rPr lang="en-US" sz="2400" dirty="0" err="1"/>
-              <a:t>search&amp;tags</a:t>
-            </a:r>
-            <a:r>
-              <a:rPr lang="en-US" sz="2400" dirty="0"/>
-              <a:t>=cat</a:t>
-            </a:r>
-          </a:p>
-          <a:p>
-            <a:endParaRPr lang="en-US" dirty="0"/>
-          </a:p>
-        </p:txBody>
-      </p:sp>
+      <p:pic>
+        <p:nvPicPr>
+          <p:cNvPr id="4" name="Picture 3"/>
+          <p:cNvPicPr>
+            <a:picLocks noChangeAspect="1"/>
+          </p:cNvPicPr>
+          <p:nvPr/>
+        </p:nvPicPr>
+        <p:blipFill>
+          <a:blip r:embed="rId2"/>
+          <a:stretch>
+            <a:fillRect/>
+          </a:stretch>
+        </p:blipFill>
+        <p:spPr>
+          <a:xfrm>
+            <a:off x="1055738" y="1353302"/>
+            <a:ext cx="7783461" cy="4602998"/>
+          </a:xfrm>
+          <a:prstGeom prst="rect">
+            <a:avLst/>
+          </a:prstGeom>
+        </p:spPr>
+      </p:pic>
     </p:spTree>
     <p:extLst>
       <p:ext uri="{BB962C8B-B14F-4D97-AF65-F5344CB8AC3E}">
-        <p14:creationId xmlns:p14="http://schemas.microsoft.com/office/powerpoint/2010/main" val="2485239094"/>
+        <p14:creationId xmlns:p14="http://schemas.microsoft.com/office/powerpoint/2010/main" val="186322383"/>
       </p:ext>
     </p:extLst>
   </p:cSld>
@@ -6620,15 +6381,7 @@
           <a:p>
             <a:r>
               <a:rPr lang="en-US" dirty="0" smtClean="0"/>
-              <a:t>PUT </a:t>
-            </a:r>
-            <a:r>
-              <a:rPr lang="en-US" dirty="0" err="1" smtClean="0"/>
-              <a:t>vs</a:t>
-            </a:r>
-            <a:r>
-              <a:rPr lang="en-US" dirty="0" smtClean="0"/>
-              <a:t> POST</a:t>
+              <a:t>HTTP good bad and ugly</a:t>
             </a:r>
             <a:endParaRPr lang="en-US" dirty="0"/>
           </a:p>
@@ -6647,103 +6400,266 @@
         <p:spPr/>
         <p:txBody>
           <a:bodyPr>
-            <a:normAutofit fontScale="85000" lnSpcReduction="10000"/>
+            <a:normAutofit fontScale="85000" lnSpcReduction="20000"/>
           </a:bodyPr>
           <a:lstStyle/>
           <a:p>
             <a:r>
+              <a:rPr lang="en-US" dirty="0" smtClean="0"/>
+              <a:t>Good</a:t>
+            </a:r>
+          </a:p>
+          <a:p>
+            <a:pPr lvl="1"/>
+            <a:r>
+              <a:rPr lang="en-US" dirty="0" smtClean="0"/>
+              <a:t>GET </a:t>
+            </a:r>
+            <a:r>
               <a:rPr lang="en-US" dirty="0"/>
-              <a:t>PUT </a:t>
-            </a:r>
-            <a:r>
-              <a:rPr lang="en-US" dirty="0" err="1"/>
-              <a:t>vs</a:t>
-            </a:r>
+              <a:t>reports/open-bugs HTTP/1.1</a:t>
+            </a:r>
+          </a:p>
+          <a:p>
+            <a:pPr lvl="2"/>
             <a:r>
               <a:rPr lang="en-US" dirty="0"/>
-              <a:t> </a:t>
-            </a:r>
-            <a:r>
-              <a:rPr lang="en-US" dirty="0" smtClean="0"/>
-              <a:t>POST</a:t>
+              <a:t>in contrast to RPC-style interaction</a:t>
+            </a:r>
+          </a:p>
+          <a:p>
+            <a:r>
+              <a:rPr lang="en-US" dirty="0" smtClean="0"/>
+              <a:t>Bad</a:t>
             </a:r>
           </a:p>
           <a:p>
             <a:pPr lvl="1"/>
             <a:r>
-              <a:rPr lang="en-US" dirty="0" smtClean="0"/>
-              <a:t>creation </a:t>
-            </a:r>
-            <a:r>
-              <a:rPr lang="en-US" dirty="0"/>
-              <a:t>by either PUT to new URI or POST to existing </a:t>
-            </a:r>
-            <a:r>
-              <a:rPr lang="en-US" dirty="0" smtClean="0"/>
-              <a:t>URI</a:t>
-            </a:r>
+              <a:rPr lang="en-US" dirty="0" smtClean="0">
+                <a:latin typeface="Lucida Console"/>
+                <a:cs typeface="Lucida Console"/>
+              </a:rPr>
+              <a:t>POST </a:t>
+            </a:r>
+            <a:r>
+              <a:rPr lang="en-US" dirty="0">
+                <a:latin typeface="Lucida Console"/>
+                <a:cs typeface="Lucida Console"/>
+              </a:rPr>
+              <a:t>/</a:t>
+            </a:r>
+            <a:r>
+              <a:rPr lang="en-US" dirty="0" err="1">
+                <a:latin typeface="Lucida Console"/>
+                <a:cs typeface="Lucida Console"/>
+              </a:rPr>
+              <a:t>rpc</a:t>
+            </a:r>
+            <a:r>
+              <a:rPr lang="en-US" dirty="0">
+                <a:latin typeface="Lucida Console"/>
+                <a:cs typeface="Lucida Console"/>
+              </a:rPr>
+              <a:t> HTTP/1.1</a:t>
+            </a:r>
+            <a:br>
+              <a:rPr lang="en-US" dirty="0">
+                <a:latin typeface="Lucida Console"/>
+                <a:cs typeface="Lucida Console"/>
+              </a:rPr>
+            </a:br>
+            <a:r>
+              <a:rPr lang="en-US" dirty="0">
+                <a:latin typeface="Lucida Console"/>
+                <a:cs typeface="Lucida Console"/>
+              </a:rPr>
+              <a:t>Host: </a:t>
+            </a:r>
+            <a:r>
+              <a:rPr lang="en-US" dirty="0" err="1">
+                <a:latin typeface="Lucida Console"/>
+                <a:cs typeface="Lucida Console"/>
+              </a:rPr>
+              <a:t>www.upcdatabase.com</a:t>
+            </a:r>
+            <a:r>
+              <a:rPr lang="en-US" dirty="0">
+                <a:latin typeface="Lucida Console"/>
+                <a:cs typeface="Lucida Console"/>
+              </a:rPr>
+              <a:t/>
+            </a:r>
+            <a:br>
+              <a:rPr lang="en-US" dirty="0">
+                <a:latin typeface="Lucida Console"/>
+                <a:cs typeface="Lucida Console"/>
+              </a:rPr>
+            </a:br>
+            <a:r>
+              <a:rPr lang="en-US" dirty="0">
+                <a:latin typeface="Lucida Console"/>
+                <a:cs typeface="Lucida Console"/>
+              </a:rPr>
+              <a:t>&lt;?xml version="1.0”&gt;</a:t>
+            </a:r>
+            <a:br>
+              <a:rPr lang="en-US" dirty="0">
+                <a:latin typeface="Lucida Console"/>
+                <a:cs typeface="Lucida Console"/>
+              </a:rPr>
+            </a:br>
+            <a:r>
+              <a:rPr lang="en-US" dirty="0">
+                <a:latin typeface="Lucida Console"/>
+                <a:cs typeface="Lucida Console"/>
+              </a:rPr>
+              <a:t>	&lt;</a:t>
+            </a:r>
+            <a:r>
+              <a:rPr lang="en-US" dirty="0" err="1">
+                <a:latin typeface="Lucida Console"/>
+                <a:cs typeface="Lucida Console"/>
+              </a:rPr>
+              <a:t>methodCall</a:t>
+            </a:r>
+            <a:r>
+              <a:rPr lang="en-US" dirty="0">
+                <a:latin typeface="Lucida Console"/>
+                <a:cs typeface="Lucida Console"/>
+              </a:rPr>
+              <a:t>&gt;</a:t>
+            </a:r>
+            <a:br>
+              <a:rPr lang="en-US" dirty="0">
+                <a:latin typeface="Lucida Console"/>
+                <a:cs typeface="Lucida Console"/>
+              </a:rPr>
+            </a:br>
+            <a:r>
+              <a:rPr lang="en-US" dirty="0">
+                <a:latin typeface="Lucida Console"/>
+                <a:cs typeface="Lucida Console"/>
+              </a:rPr>
+              <a:t>	&lt;</a:t>
+            </a:r>
+            <a:r>
+              <a:rPr lang="en-US" dirty="0" err="1">
+                <a:latin typeface="Lucida Console"/>
+                <a:cs typeface="Lucida Console"/>
+              </a:rPr>
+              <a:t>methodName</a:t>
+            </a:r>
+            <a:r>
+              <a:rPr lang="en-US" dirty="0">
+                <a:latin typeface="Lucida Console"/>
+                <a:cs typeface="Lucida Console"/>
+              </a:rPr>
+              <a:t>&gt;</a:t>
+            </a:r>
+            <a:r>
+              <a:rPr lang="en-US" dirty="0" err="1">
+                <a:latin typeface="Lucida Console"/>
+                <a:cs typeface="Lucida Console"/>
+              </a:rPr>
+              <a:t>lookupUPC</a:t>
+            </a:r>
+            <a:r>
+              <a:rPr lang="en-US" dirty="0">
+                <a:latin typeface="Lucida Console"/>
+                <a:cs typeface="Lucida Console"/>
+              </a:rPr>
+              <a:t>&lt;/</a:t>
+            </a:r>
+            <a:r>
+              <a:rPr lang="en-US" dirty="0" err="1">
+                <a:latin typeface="Lucida Console"/>
+                <a:cs typeface="Lucida Console"/>
+              </a:rPr>
+              <a:t>methodName</a:t>
+            </a:r>
+            <a:r>
+              <a:rPr lang="en-US" dirty="0">
+                <a:latin typeface="Lucida Console"/>
+                <a:cs typeface="Lucida Console"/>
+              </a:rPr>
+              <a:t>&gt; …</a:t>
+            </a:r>
+            <a:br>
+              <a:rPr lang="en-US" dirty="0">
+                <a:latin typeface="Lucida Console"/>
+                <a:cs typeface="Lucida Console"/>
+              </a:rPr>
+            </a:br>
+            <a:r>
+              <a:rPr lang="en-US" dirty="0">
+                <a:latin typeface="Lucida Console"/>
+                <a:cs typeface="Lucida Console"/>
+              </a:rPr>
+              <a:t>&lt;/</a:t>
+            </a:r>
+            <a:r>
+              <a:rPr lang="en-US" dirty="0" err="1">
+                <a:latin typeface="Lucida Console"/>
+                <a:cs typeface="Lucida Console"/>
+              </a:rPr>
+              <a:t>methodCall</a:t>
+            </a:r>
+            <a:r>
+              <a:rPr lang="en-US" dirty="0">
+                <a:latin typeface="Lucida Console"/>
+                <a:cs typeface="Lucida Console"/>
+              </a:rPr>
+              <a:t>&gt;</a:t>
+            </a:r>
+          </a:p>
+          <a:p>
+            <a:r>
+              <a:rPr lang="en-US" dirty="0" smtClean="0"/>
+              <a:t>Ugly</a:t>
+            </a:r>
+            <a:endParaRPr lang="en-US" dirty="0"/>
           </a:p>
           <a:p>
             <a:pPr lvl="1"/>
             <a:r>
-              <a:rPr lang="en-US" dirty="0" smtClean="0"/>
-              <a:t>typically</a:t>
-            </a:r>
-            <a:r>
-              <a:rPr lang="en-US" dirty="0"/>
-              <a:t>, create a subordinate resource with a POST to its parent</a:t>
-            </a:r>
-          </a:p>
-          <a:p>
-            <a:r>
-              <a:rPr lang="en-US" dirty="0" smtClean="0"/>
-              <a:t>use </a:t>
-            </a:r>
-            <a:r>
-              <a:rPr lang="en-US" dirty="0"/>
-              <a:t>PUT when client chooses URI; use POST when server chooses</a:t>
-            </a:r>
-          </a:p>
-          <a:p>
-            <a:r>
-              <a:rPr lang="en-US" dirty="0" smtClean="0"/>
-              <a:t>successful </a:t>
-            </a:r>
-            <a:r>
-              <a:rPr lang="en-US" dirty="0"/>
-              <a:t>POST returns code 201 ‘Created’ with Location header</a:t>
-            </a:r>
-          </a:p>
-          <a:p>
-            <a:r>
-              <a:rPr lang="en-US" dirty="0" smtClean="0"/>
-              <a:t>(</a:t>
-            </a:r>
-            <a:r>
-              <a:rPr lang="en-US" dirty="0"/>
-              <a:t>POST also sometimes used for form submission, but this can </a:t>
-            </a:r>
-            <a:r>
-              <a:rPr lang="en-US" dirty="0" smtClean="0"/>
-              <a:t>be non</a:t>
-            </a:r>
-            <a:r>
-              <a:rPr lang="en-US" dirty="0"/>
-              <a:t>-uniform)</a:t>
-            </a:r>
-          </a:p>
-          <a:p>
-            <a:pPr marL="0" indent="0">
-              <a:buNone/>
-            </a:pPr>
-            <a:endParaRPr lang="en-US" b="1" dirty="0"/>
+              <a:rPr lang="en-US" sz="2400" dirty="0"/>
+              <a:t>http://</a:t>
+            </a:r>
+            <a:r>
+              <a:rPr lang="en-US" sz="2400" dirty="0" err="1"/>
+              <a:t>www.flickr.com</a:t>
+            </a:r>
+            <a:r>
+              <a:rPr lang="en-US" sz="2400" dirty="0"/>
+              <a:t>/services/</a:t>
+            </a:r>
+            <a:r>
+              <a:rPr lang="en-US" sz="2400" dirty="0" err="1"/>
+              <a:t>rest?method</a:t>
+            </a:r>
+            <a:r>
+              <a:rPr lang="en-US" sz="2400" dirty="0"/>
+              <a:t>=</a:t>
+            </a:r>
+            <a:r>
+              <a:rPr lang="en-US" sz="2400" dirty="0" err="1"/>
+              <a:t>search&amp;tags</a:t>
+            </a:r>
+            <a:r>
+              <a:rPr lang="en-US" sz="2400" dirty="0"/>
+              <a:t>=cat</a:t>
+            </a:r>
+          </a:p>
+          <a:p>
+            <a:endParaRPr lang="en-US" dirty="0"/>
           </a:p>
         </p:txBody>
       </p:sp>
     </p:spTree>
     <p:extLst>
       <p:ext uri="{BB962C8B-B14F-4D97-AF65-F5344CB8AC3E}">
-        <p14:creationId xmlns:p14="http://schemas.microsoft.com/office/powerpoint/2010/main" val="3417922519"/>
+        <p14:creationId xmlns:p14="http://schemas.microsoft.com/office/powerpoint/2010/main" val="2485239094"/>
       </p:ext>
     </p:extLst>
   </p:cSld>
@@ -6789,119 +6705,135 @@
         </p:nvSpPr>
         <p:spPr/>
         <p:txBody>
+          <a:bodyPr/>
+          <a:lstStyle/>
+          <a:p>
+            <a:r>
+              <a:rPr lang="en-US" dirty="0" smtClean="0"/>
+              <a:t>PUT </a:t>
+            </a:r>
+            <a:r>
+              <a:rPr lang="en-US" dirty="0" err="1" smtClean="0"/>
+              <a:t>vs</a:t>
+            </a:r>
+            <a:r>
+              <a:rPr lang="en-US" dirty="0" smtClean="0"/>
+              <a:t> POST</a:t>
+            </a:r>
+            <a:endParaRPr lang="en-US" dirty="0"/>
+          </a:p>
+        </p:txBody>
+      </p:sp>
+      <p:sp>
+        <p:nvSpPr>
+          <p:cNvPr id="3" name="Content Placeholder 2"/>
+          <p:cNvSpPr>
+            <a:spLocks noGrp="1"/>
+          </p:cNvSpPr>
+          <p:nvPr>
+            <p:ph idx="1"/>
+          </p:nvPr>
+        </p:nvSpPr>
+        <p:spPr/>
+        <p:txBody>
           <a:bodyPr>
-            <a:normAutofit fontScale="90000"/>
+            <a:normAutofit fontScale="85000" lnSpcReduction="10000"/>
           </a:bodyPr>
           <a:lstStyle/>
           <a:p>
             <a:r>
-              <a:rPr lang="en-US" smtClean="0"/>
-              <a:t>Resource Representations and States</a:t>
-            </a:r>
-            <a:endParaRPr lang="en-US" dirty="0"/>
-          </a:p>
-        </p:txBody>
-      </p:sp>
-      <p:sp>
-        <p:nvSpPr>
-          <p:cNvPr id="3" name="Content Placeholder 2"/>
-          <p:cNvSpPr>
-            <a:spLocks noGrp="1"/>
-          </p:cNvSpPr>
-          <p:nvPr>
-            <p:ph idx="1"/>
-          </p:nvPr>
-        </p:nvSpPr>
-        <p:spPr/>
-        <p:txBody>
-          <a:bodyPr>
-            <a:normAutofit fontScale="77500" lnSpcReduction="20000"/>
-          </a:bodyPr>
-          <a:lstStyle/>
-          <a:p>
-            <a:r>
-              <a:rPr lang="en-US" dirty="0" smtClean="0"/>
-              <a:t>Interact with services using representations of resources.</a:t>
+              <a:rPr lang="en-US" dirty="0"/>
+              <a:t>PUT </a:t>
+            </a:r>
+            <a:r>
+              <a:rPr lang="en-US" dirty="0" err="1"/>
+              <a:t>vs</a:t>
+            </a:r>
+            <a:r>
+              <a:rPr lang="en-US" dirty="0"/>
+              <a:t> </a:t>
+            </a:r>
+            <a:r>
+              <a:rPr lang="en-US" dirty="0" smtClean="0"/>
+              <a:t>POST</a:t>
             </a:r>
           </a:p>
           <a:p>
             <a:pPr lvl="1"/>
             <a:r>
               <a:rPr lang="en-US" dirty="0" smtClean="0"/>
-              <a:t>An XML representation</a:t>
+              <a:t>creation </a:t>
+            </a:r>
+            <a:r>
+              <a:rPr lang="en-US" dirty="0"/>
+              <a:t>by either PUT to new URI or POST to existing </a:t>
+            </a:r>
+            <a:r>
+              <a:rPr lang="en-US" dirty="0" smtClean="0"/>
+              <a:t>URI</a:t>
             </a:r>
           </a:p>
           <a:p>
             <a:pPr lvl="1"/>
             <a:r>
               <a:rPr lang="en-US" dirty="0" smtClean="0"/>
-              <a:t>A JSON representation </a:t>
-            </a:r>
-          </a:p>
-          <a:p>
-            <a:r>
-              <a:rPr lang="en-US" dirty="0" smtClean="0"/>
-              <a:t>An object referenced by one URI can have different formats available. Different platforms need different formats. </a:t>
-            </a:r>
-          </a:p>
-          <a:p>
-            <a:pPr lvl="1"/>
-            <a:r>
-              <a:rPr lang="en-US" dirty="0" smtClean="0"/>
-              <a:t>A mobile application may need JSON</a:t>
-            </a:r>
-          </a:p>
-          <a:p>
-            <a:pPr lvl="1"/>
-            <a:r>
-              <a:rPr lang="en-US" dirty="0" smtClean="0"/>
-              <a:t>A Java application may need XML.</a:t>
-            </a:r>
-          </a:p>
-          <a:p>
-            <a:r>
-              <a:rPr lang="en-US" dirty="0" smtClean="0"/>
-              <a:t>Utilize the Content-Type header</a:t>
-            </a:r>
-          </a:p>
-          <a:p>
-            <a:pPr lvl="1"/>
-            <a:r>
-              <a:rPr lang="en-US" dirty="0" smtClean="0"/>
-              <a:t>And the Accept: header</a:t>
-            </a:r>
-          </a:p>
-          <a:p>
-            <a:r>
-              <a:rPr lang="en-US" dirty="0" smtClean="0"/>
-              <a:t>Communicate in a stateless manner</a:t>
-            </a:r>
-          </a:p>
-          <a:p>
-            <a:pPr lvl="1"/>
-            <a:r>
-              <a:rPr lang="en-US" dirty="0" smtClean="0"/>
-              <a:t>Stateless applications are far more </a:t>
-            </a:r>
-            <a:r>
-              <a:rPr lang="en-US" dirty="0" err="1" smtClean="0"/>
-              <a:t>scaleable</a:t>
-            </a:r>
-            <a:endParaRPr lang="en-US" dirty="0" smtClean="0"/>
-          </a:p>
-          <a:p>
-            <a:pPr lvl="1"/>
-            <a:endParaRPr lang="en-US" dirty="0" smtClean="0"/>
-          </a:p>
-          <a:p>
-            <a:endParaRPr lang="en-US" dirty="0"/>
+              <a:t>typically</a:t>
+            </a:r>
+            <a:r>
+              <a:rPr lang="en-US" dirty="0"/>
+              <a:t>, create a subordinate resource with a POST to its parent</a:t>
+            </a:r>
+          </a:p>
+          <a:p>
+            <a:r>
+              <a:rPr lang="en-US" dirty="0" smtClean="0"/>
+              <a:t>use </a:t>
+            </a:r>
+            <a:r>
+              <a:rPr lang="en-US" dirty="0"/>
+              <a:t>PUT when client chooses URI; use POST when server chooses</a:t>
+            </a:r>
+          </a:p>
+          <a:p>
+            <a:r>
+              <a:rPr lang="en-US" dirty="0" smtClean="0"/>
+              <a:t>successful </a:t>
+            </a:r>
+            <a:r>
+              <a:rPr lang="en-US" dirty="0"/>
+              <a:t>POST returns code 201 ‘Created’ with Location header</a:t>
+            </a:r>
+          </a:p>
+          <a:p>
+            <a:r>
+              <a:rPr lang="en-US" dirty="0" smtClean="0"/>
+              <a:t>(</a:t>
+            </a:r>
+            <a:r>
+              <a:rPr lang="en-US" dirty="0"/>
+              <a:t>POST also sometimes used for form submission, but this can </a:t>
+            </a:r>
+            <a:r>
+              <a:rPr lang="en-US" dirty="0" smtClean="0"/>
+              <a:t>be non</a:t>
+            </a:r>
+            <a:r>
+              <a:rPr lang="en-US" dirty="0"/>
+              <a:t>-uniform)</a:t>
+            </a:r>
+          </a:p>
+          <a:p>
+            <a:pPr marL="0" indent="0">
+              <a:buNone/>
+            </a:pPr>
+            <a:endParaRPr lang="en-US" b="1" dirty="0"/>
           </a:p>
         </p:txBody>
       </p:sp>
     </p:spTree>
     <p:extLst>
       <p:ext uri="{BB962C8B-B14F-4D97-AF65-F5344CB8AC3E}">
-        <p14:creationId xmlns:p14="http://schemas.microsoft.com/office/powerpoint/2010/main" val="2990386115"/>
+        <p14:creationId xmlns:p14="http://schemas.microsoft.com/office/powerpoint/2010/main" val="3417922519"/>
       </p:ext>
     </p:extLst>
   </p:cSld>
@@ -6953,6 +6885,164 @@
           <a:lstStyle/>
           <a:p>
             <a:r>
+              <a:rPr lang="en-US" smtClean="0"/>
+              <a:t>Resource Representations and States</a:t>
+            </a:r>
+            <a:endParaRPr lang="en-US" dirty="0"/>
+          </a:p>
+        </p:txBody>
+      </p:sp>
+      <p:sp>
+        <p:nvSpPr>
+          <p:cNvPr id="3" name="Content Placeholder 2"/>
+          <p:cNvSpPr>
+            <a:spLocks noGrp="1"/>
+          </p:cNvSpPr>
+          <p:nvPr>
+            <p:ph idx="1"/>
+          </p:nvPr>
+        </p:nvSpPr>
+        <p:spPr/>
+        <p:txBody>
+          <a:bodyPr>
+            <a:normAutofit fontScale="77500" lnSpcReduction="20000"/>
+          </a:bodyPr>
+          <a:lstStyle/>
+          <a:p>
+            <a:r>
+              <a:rPr lang="en-US" dirty="0" smtClean="0"/>
+              <a:t>Interact with services using representations of resources.</a:t>
+            </a:r>
+          </a:p>
+          <a:p>
+            <a:pPr lvl="1"/>
+            <a:r>
+              <a:rPr lang="en-US" dirty="0" smtClean="0"/>
+              <a:t>An XML representation</a:t>
+            </a:r>
+          </a:p>
+          <a:p>
+            <a:pPr lvl="1"/>
+            <a:r>
+              <a:rPr lang="en-US" dirty="0" smtClean="0"/>
+              <a:t>A JSON representation </a:t>
+            </a:r>
+          </a:p>
+          <a:p>
+            <a:r>
+              <a:rPr lang="en-US" dirty="0" smtClean="0"/>
+              <a:t>An object referenced by one URI can have different formats available. Different platforms need different formats. </a:t>
+            </a:r>
+          </a:p>
+          <a:p>
+            <a:pPr lvl="1"/>
+            <a:r>
+              <a:rPr lang="en-US" dirty="0" smtClean="0"/>
+              <a:t>A mobile application may need JSON</a:t>
+            </a:r>
+          </a:p>
+          <a:p>
+            <a:pPr lvl="1"/>
+            <a:r>
+              <a:rPr lang="en-US" dirty="0" smtClean="0"/>
+              <a:t>A Java application may need XML.</a:t>
+            </a:r>
+          </a:p>
+          <a:p>
+            <a:r>
+              <a:rPr lang="en-US" dirty="0" smtClean="0"/>
+              <a:t>Utilize the Content-Type header</a:t>
+            </a:r>
+          </a:p>
+          <a:p>
+            <a:pPr lvl="1"/>
+            <a:r>
+              <a:rPr lang="en-US" dirty="0" smtClean="0"/>
+              <a:t>And the Accept: header</a:t>
+            </a:r>
+          </a:p>
+          <a:p>
+            <a:r>
+              <a:rPr lang="en-US" dirty="0" smtClean="0"/>
+              <a:t>Communicate in a stateless manner</a:t>
+            </a:r>
+          </a:p>
+          <a:p>
+            <a:pPr lvl="1"/>
+            <a:r>
+              <a:rPr lang="en-US" dirty="0" smtClean="0"/>
+              <a:t>Stateless applications are far more </a:t>
+            </a:r>
+            <a:r>
+              <a:rPr lang="en-US" dirty="0" err="1" smtClean="0"/>
+              <a:t>scaleable</a:t>
+            </a:r>
+            <a:endParaRPr lang="en-US" dirty="0" smtClean="0"/>
+          </a:p>
+          <a:p>
+            <a:pPr lvl="1"/>
+            <a:endParaRPr lang="en-US" dirty="0" smtClean="0"/>
+          </a:p>
+          <a:p>
+            <a:endParaRPr lang="en-US" dirty="0"/>
+          </a:p>
+        </p:txBody>
+      </p:sp>
+    </p:spTree>
+    <p:extLst>
+      <p:ext uri="{BB962C8B-B14F-4D97-AF65-F5344CB8AC3E}">
+        <p14:creationId xmlns:p14="http://schemas.microsoft.com/office/powerpoint/2010/main" val="2990386115"/>
+      </p:ext>
+    </p:extLst>
+  </p:cSld>
+  <p:clrMapOvr>
+    <a:masterClrMapping/>
+  </p:clrMapOvr>
+  <p:timing>
+    <p:tnLst>
+      <p:par>
+        <p:cTn xmlns:p14="http://schemas.microsoft.com/office/powerpoint/2010/main" id="1" dur="indefinite" restart="never" nodeType="tmRoot"/>
+      </p:par>
+    </p:tnLst>
+  </p:timing>
+</p:sld>
+</file>
+
+<file path=ppt/slides/slide14.xml><?xml version="1.0" encoding="utf-8"?>
+<p:sld xmlns:a="http://schemas.openxmlformats.org/drawingml/2006/main" xmlns:r="http://schemas.openxmlformats.org/officeDocument/2006/relationships" xmlns:p="http://schemas.openxmlformats.org/presentationml/2006/main">
+  <p:cSld>
+    <p:spTree>
+      <p:nvGrpSpPr>
+        <p:cNvPr id="1" name=""/>
+        <p:cNvGrpSpPr/>
+        <p:nvPr/>
+      </p:nvGrpSpPr>
+      <p:grpSpPr>
+        <a:xfrm>
+          <a:off x="0" y="0"/>
+          <a:ext cx="0" cy="0"/>
+          <a:chOff x="0" y="0"/>
+          <a:chExt cx="0" cy="0"/>
+        </a:xfrm>
+      </p:grpSpPr>
+      <p:sp>
+        <p:nvSpPr>
+          <p:cNvPr id="2" name="Title 1"/>
+          <p:cNvSpPr>
+            <a:spLocks noGrp="1"/>
+          </p:cNvSpPr>
+          <p:nvPr>
+            <p:ph type="title"/>
+          </p:nvPr>
+        </p:nvSpPr>
+        <p:spPr/>
+        <p:txBody>
+          <a:bodyPr>
+            <a:normAutofit fontScale="90000"/>
+          </a:bodyPr>
+          <a:lstStyle/>
+          <a:p>
+            <a:r>
               <a:rPr lang="en-US" dirty="0" smtClean="0"/>
               <a:t>Hypertext as the Engine of Application State</a:t>
             </a:r>
@@ -7286,7 +7376,7 @@
 </p:sld>
 </file>
 
-<file path=ppt/slides/slide14.xml><?xml version="1.0" encoding="utf-8"?>
+<file path=ppt/slides/slide15.xml><?xml version="1.0" encoding="utf-8"?>
 <p:sld xmlns:a="http://schemas.openxmlformats.org/drawingml/2006/main" xmlns:r="http://schemas.openxmlformats.org/officeDocument/2006/relationships" xmlns:p="http://schemas.openxmlformats.org/presentationml/2006/main">
   <p:cSld>
     <p:spTree>
@@ -7370,7 +7460,7 @@
 </p:sld>
 </file>
 
-<file path=ppt/slides/slide15.xml><?xml version="1.0" encoding="utf-8"?>
+<file path=ppt/slides/slide16.xml><?xml version="1.0" encoding="utf-8"?>
 <p:sld xmlns:a="http://schemas.openxmlformats.org/drawingml/2006/main" xmlns:r="http://schemas.openxmlformats.org/officeDocument/2006/relationships" xmlns:p="http://schemas.openxmlformats.org/presentationml/2006/main">
   <p:cSld>
     <p:spTree>
@@ -7634,7 +7724,669 @@
 </p:sld>
 </file>
 
-<file path=ppt/slides/slide16.xml><?xml version="1.0" encoding="utf-8"?>
+<file path=ppt/slides/slide17.xml><?xml version="1.0" encoding="utf-8"?>
+<p:sld xmlns:a="http://schemas.openxmlformats.org/drawingml/2006/main" xmlns:r="http://schemas.openxmlformats.org/officeDocument/2006/relationships" xmlns:p="http://schemas.openxmlformats.org/presentationml/2006/main">
+  <p:cSld>
+    <p:spTree>
+      <p:nvGrpSpPr>
+        <p:cNvPr id="1" name=""/>
+        <p:cNvGrpSpPr/>
+        <p:nvPr/>
+      </p:nvGrpSpPr>
+      <p:grpSpPr>
+        <a:xfrm>
+          <a:off x="0" y="0"/>
+          <a:ext cx="0" cy="0"/>
+          <a:chOff x="0" y="0"/>
+          <a:chExt cx="0" cy="0"/>
+        </a:xfrm>
+      </p:grpSpPr>
+      <p:sp>
+        <p:nvSpPr>
+          <p:cNvPr id="2" name="Title 1"/>
+          <p:cNvSpPr>
+            <a:spLocks noGrp="1"/>
+          </p:cNvSpPr>
+          <p:nvPr>
+            <p:ph type="title"/>
+          </p:nvPr>
+        </p:nvSpPr>
+        <p:spPr/>
+        <p:txBody>
+          <a:bodyPr/>
+          <a:lstStyle/>
+          <a:p>
+            <a:r>
+              <a:rPr lang="en-US" dirty="0" smtClean="0"/>
+              <a:t>Return codes</a:t>
+            </a:r>
+            <a:endParaRPr lang="en-US" dirty="0"/>
+          </a:p>
+        </p:txBody>
+      </p:sp>
+      <p:sp>
+        <p:nvSpPr>
+          <p:cNvPr id="3" name="Content Placeholder 2"/>
+          <p:cNvSpPr>
+            <a:spLocks noGrp="1"/>
+          </p:cNvSpPr>
+          <p:nvPr>
+            <p:ph idx="1"/>
+          </p:nvPr>
+        </p:nvSpPr>
+        <p:spPr/>
+        <p:txBody>
+          <a:bodyPr/>
+          <a:lstStyle/>
+          <a:p>
+            <a:r>
+              <a:rPr lang="en-US" dirty="0" smtClean="0"/>
+              <a:t>Good </a:t>
+            </a:r>
+            <a:r>
+              <a:rPr lang="en-US" dirty="0" err="1" smtClean="0"/>
+              <a:t>RESTful</a:t>
+            </a:r>
+            <a:r>
+              <a:rPr lang="en-US" dirty="0" smtClean="0"/>
+              <a:t> design means proper use of return codes</a:t>
+            </a:r>
+            <a:r>
+              <a:rPr lang="mr-IN" dirty="0" smtClean="0"/>
+              <a:t>…</a:t>
+            </a:r>
+            <a:endParaRPr lang="en-US" dirty="0" smtClean="0"/>
+          </a:p>
+          <a:p>
+            <a:pPr lvl="1"/>
+            <a:r>
+              <a:rPr lang="en-US" dirty="0" smtClean="0"/>
+              <a:t>Why?</a:t>
+            </a:r>
+          </a:p>
+          <a:p>
+            <a:pPr marL="457200" lvl="1" indent="0">
+              <a:buNone/>
+            </a:pPr>
+            <a:endParaRPr lang="en-US" dirty="0"/>
+          </a:p>
+        </p:txBody>
+      </p:sp>
+    </p:spTree>
+    <p:extLst>
+      <p:ext uri="{BB962C8B-B14F-4D97-AF65-F5344CB8AC3E}">
+        <p14:creationId xmlns:p14="http://schemas.microsoft.com/office/powerpoint/2010/main" val="3389322104"/>
+      </p:ext>
+    </p:extLst>
+  </p:cSld>
+  <p:clrMapOvr>
+    <a:masterClrMapping/>
+  </p:clrMapOvr>
+</p:sld>
+</file>
+
+<file path=ppt/slides/slide18.xml><?xml version="1.0" encoding="utf-8"?>
+<p:sld xmlns:a="http://schemas.openxmlformats.org/drawingml/2006/main" xmlns:r="http://schemas.openxmlformats.org/officeDocument/2006/relationships" xmlns:p="http://schemas.openxmlformats.org/presentationml/2006/main">
+  <p:cSld>
+    <p:spTree>
+      <p:nvGrpSpPr>
+        <p:cNvPr id="1" name=""/>
+        <p:cNvGrpSpPr/>
+        <p:nvPr/>
+      </p:nvGrpSpPr>
+      <p:grpSpPr>
+        <a:xfrm>
+          <a:off x="0" y="0"/>
+          <a:ext cx="0" cy="0"/>
+          <a:chOff x="0" y="0"/>
+          <a:chExt cx="0" cy="0"/>
+        </a:xfrm>
+      </p:grpSpPr>
+      <p:sp>
+        <p:nvSpPr>
+          <p:cNvPr id="2" name="Title 1"/>
+          <p:cNvSpPr>
+            <a:spLocks noGrp="1"/>
+          </p:cNvSpPr>
+          <p:nvPr>
+            <p:ph type="title"/>
+          </p:nvPr>
+        </p:nvSpPr>
+        <p:spPr/>
+        <p:txBody>
+          <a:bodyPr/>
+          <a:lstStyle/>
+          <a:p>
+            <a:r>
+              <a:rPr lang="en-US" dirty="0" smtClean="0"/>
+              <a:t>HTTP return codes</a:t>
+            </a:r>
+            <a:endParaRPr lang="en-US" dirty="0"/>
+          </a:p>
+        </p:txBody>
+      </p:sp>
+      <p:pic>
+        <p:nvPicPr>
+          <p:cNvPr id="6" name="Picture 5"/>
+          <p:cNvPicPr>
+            <a:picLocks noChangeAspect="1"/>
+          </p:cNvPicPr>
+          <p:nvPr/>
+        </p:nvPicPr>
+        <p:blipFill>
+          <a:blip r:embed="rId2"/>
+          <a:stretch>
+            <a:fillRect/>
+          </a:stretch>
+        </p:blipFill>
+        <p:spPr>
+          <a:xfrm>
+            <a:off x="625955" y="1282700"/>
+            <a:ext cx="8169692" cy="4819120"/>
+          </a:xfrm>
+          <a:prstGeom prst="rect">
+            <a:avLst/>
+          </a:prstGeom>
+        </p:spPr>
+      </p:pic>
+      <p:sp>
+        <p:nvSpPr>
+          <p:cNvPr id="7" name="Rectangle 6"/>
+          <p:cNvSpPr/>
+          <p:nvPr/>
+        </p:nvSpPr>
+        <p:spPr>
+          <a:xfrm>
+            <a:off x="4420200" y="6596390"/>
+            <a:ext cx="4572000" cy="261610"/>
+          </a:xfrm>
+          <a:prstGeom prst="rect">
+            <a:avLst/>
+          </a:prstGeom>
+        </p:spPr>
+        <p:txBody>
+          <a:bodyPr>
+            <a:spAutoFit/>
+          </a:bodyPr>
+          <a:lstStyle/>
+          <a:p>
+            <a:r>
+              <a:rPr lang="en-US" sz="1100" dirty="0"/>
+              <a:t>http://</a:t>
+            </a:r>
+            <a:r>
+              <a:rPr lang="en-US" sz="1100" dirty="0" err="1"/>
+              <a:t>www.cheat-sheets.org</a:t>
+            </a:r>
+            <a:r>
+              <a:rPr lang="en-US" sz="1100" dirty="0"/>
+              <a:t>/saved-copy/http-response-codes-1.pdf</a:t>
+            </a:r>
+          </a:p>
+        </p:txBody>
+      </p:sp>
+    </p:spTree>
+    <p:extLst>
+      <p:ext uri="{BB962C8B-B14F-4D97-AF65-F5344CB8AC3E}">
+        <p14:creationId xmlns:p14="http://schemas.microsoft.com/office/powerpoint/2010/main" val="1504049651"/>
+      </p:ext>
+    </p:extLst>
+  </p:cSld>
+  <p:clrMapOvr>
+    <a:masterClrMapping/>
+  </p:clrMapOvr>
+</p:sld>
+</file>
+
+<file path=ppt/slides/slide19.xml><?xml version="1.0" encoding="utf-8"?>
+<p:sld xmlns:a="http://schemas.openxmlformats.org/drawingml/2006/main" xmlns:r="http://schemas.openxmlformats.org/officeDocument/2006/relationships" xmlns:p="http://schemas.openxmlformats.org/presentationml/2006/main">
+  <p:cSld>
+    <p:spTree>
+      <p:nvGrpSpPr>
+        <p:cNvPr id="1" name=""/>
+        <p:cNvGrpSpPr/>
+        <p:nvPr/>
+      </p:nvGrpSpPr>
+      <p:grpSpPr>
+        <a:xfrm>
+          <a:off x="0" y="0"/>
+          <a:ext cx="0" cy="0"/>
+          <a:chOff x="0" y="0"/>
+          <a:chExt cx="0" cy="0"/>
+        </a:xfrm>
+      </p:grpSpPr>
+      <p:sp>
+        <p:nvSpPr>
+          <p:cNvPr id="2" name="Title 1"/>
+          <p:cNvSpPr>
+            <a:spLocks noGrp="1"/>
+          </p:cNvSpPr>
+          <p:nvPr>
+            <p:ph type="title"/>
+          </p:nvPr>
+        </p:nvSpPr>
+        <p:spPr/>
+        <p:txBody>
+          <a:bodyPr/>
+          <a:lstStyle/>
+          <a:p>
+            <a:r>
+              <a:rPr lang="en-US" dirty="0" smtClean="0"/>
+              <a:t>Client Error Codes</a:t>
+            </a:r>
+            <a:endParaRPr lang="en-US" dirty="0"/>
+          </a:p>
+        </p:txBody>
+      </p:sp>
+      <p:pic>
+        <p:nvPicPr>
+          <p:cNvPr id="4" name="Picture 3"/>
+          <p:cNvPicPr>
+            <a:picLocks noChangeAspect="1"/>
+          </p:cNvPicPr>
+          <p:nvPr/>
+        </p:nvPicPr>
+        <p:blipFill>
+          <a:blip r:embed="rId2"/>
+          <a:stretch>
+            <a:fillRect/>
+          </a:stretch>
+        </p:blipFill>
+        <p:spPr>
+          <a:xfrm>
+            <a:off x="573189" y="1417638"/>
+            <a:ext cx="8197172" cy="4815122"/>
+          </a:xfrm>
+          <a:prstGeom prst="rect">
+            <a:avLst/>
+          </a:prstGeom>
+        </p:spPr>
+      </p:pic>
+    </p:spTree>
+    <p:extLst>
+      <p:ext uri="{BB962C8B-B14F-4D97-AF65-F5344CB8AC3E}">
+        <p14:creationId xmlns:p14="http://schemas.microsoft.com/office/powerpoint/2010/main" val="125189291"/>
+      </p:ext>
+    </p:extLst>
+  </p:cSld>
+  <p:clrMapOvr>
+    <a:masterClrMapping/>
+  </p:clrMapOvr>
+</p:sld>
+</file>
+
+<file path=ppt/slides/slide2.xml><?xml version="1.0" encoding="utf-8"?>
+<p:sld xmlns:a="http://schemas.openxmlformats.org/drawingml/2006/main" xmlns:r="http://schemas.openxmlformats.org/officeDocument/2006/relationships" xmlns:p="http://schemas.openxmlformats.org/presentationml/2006/main">
+  <p:cSld>
+    <p:spTree>
+      <p:nvGrpSpPr>
+        <p:cNvPr id="1" name=""/>
+        <p:cNvGrpSpPr/>
+        <p:nvPr/>
+      </p:nvGrpSpPr>
+      <p:grpSpPr>
+        <a:xfrm>
+          <a:off x="0" y="0"/>
+          <a:ext cx="0" cy="0"/>
+          <a:chOff x="0" y="0"/>
+          <a:chExt cx="0" cy="0"/>
+        </a:xfrm>
+      </p:grpSpPr>
+      <p:sp>
+        <p:nvSpPr>
+          <p:cNvPr id="2" name="Title 1"/>
+          <p:cNvSpPr>
+            <a:spLocks noGrp="1"/>
+          </p:cNvSpPr>
+          <p:nvPr>
+            <p:ph type="title"/>
+          </p:nvPr>
+        </p:nvSpPr>
+        <p:spPr/>
+        <p:txBody>
+          <a:bodyPr/>
+          <a:lstStyle/>
+          <a:p>
+            <a:r>
+              <a:rPr lang="en-US" dirty="0" smtClean="0"/>
+              <a:t>World Wide Web</a:t>
+            </a:r>
+            <a:endParaRPr lang="en-US" dirty="0"/>
+          </a:p>
+        </p:txBody>
+      </p:sp>
+      <p:sp>
+        <p:nvSpPr>
+          <p:cNvPr id="4" name="Content Placeholder 3"/>
+          <p:cNvSpPr>
+            <a:spLocks noGrp="1"/>
+          </p:cNvSpPr>
+          <p:nvPr>
+            <p:ph sz="half" idx="1"/>
+          </p:nvPr>
+        </p:nvSpPr>
+        <p:spPr/>
+        <p:txBody>
+          <a:bodyPr>
+            <a:normAutofit fontScale="77500" lnSpcReduction="20000"/>
+          </a:bodyPr>
+          <a:lstStyle/>
+          <a:p>
+            <a:r>
+              <a:rPr lang="en-US" dirty="0"/>
+              <a:t>navigating document collections</a:t>
+            </a:r>
+          </a:p>
+          <a:p>
+            <a:r>
+              <a:rPr lang="en-US" dirty="0" smtClean="0"/>
+              <a:t>multimedia </a:t>
+            </a:r>
+            <a:r>
+              <a:rPr lang="en-US" dirty="0"/>
+              <a:t>documents</a:t>
+            </a:r>
+          </a:p>
+          <a:p>
+            <a:r>
+              <a:rPr lang="en-US" dirty="0" smtClean="0"/>
+              <a:t>hypertext </a:t>
+            </a:r>
+            <a:r>
+              <a:rPr lang="en-US" dirty="0"/>
+              <a:t>cross-references</a:t>
+            </a:r>
+          </a:p>
+          <a:p>
+            <a:r>
+              <a:rPr lang="en-US" dirty="0" smtClean="0"/>
+              <a:t>hypertext </a:t>
+            </a:r>
+            <a:r>
+              <a:rPr lang="en-US" dirty="0"/>
+              <a:t>markup language</a:t>
+            </a:r>
+          </a:p>
+          <a:p>
+            <a:r>
+              <a:rPr lang="en-US" dirty="0"/>
+              <a:t>(HTML)</a:t>
+            </a:r>
+          </a:p>
+          <a:p>
+            <a:r>
+              <a:rPr lang="en-US" dirty="0" smtClean="0"/>
+              <a:t>hypertext </a:t>
+            </a:r>
+            <a:r>
+              <a:rPr lang="en-US" dirty="0"/>
+              <a:t>transfer protocol</a:t>
+            </a:r>
+          </a:p>
+          <a:p>
+            <a:r>
+              <a:rPr lang="en-US" dirty="0"/>
+              <a:t>(HTTP)</a:t>
+            </a:r>
+          </a:p>
+          <a:p>
+            <a:r>
+              <a:rPr lang="en-US" dirty="0" smtClean="0"/>
+              <a:t>Tim </a:t>
+            </a:r>
+            <a:r>
+              <a:rPr lang="en-US" dirty="0"/>
+              <a:t>Berners-Lee at CERN</a:t>
+            </a:r>
+            <a:r>
+              <a:rPr lang="en-US" dirty="0" smtClean="0"/>
+              <a:t>, 1989</a:t>
+            </a:r>
+            <a:r>
+              <a:rPr lang="en-US" dirty="0"/>
+              <a:t>–1992</a:t>
+            </a:r>
+          </a:p>
+        </p:txBody>
+      </p:sp>
+      <p:pic>
+        <p:nvPicPr>
+          <p:cNvPr id="7" name="Content Placeholder 6"/>
+          <p:cNvPicPr>
+            <a:picLocks noGrp="1" noChangeAspect="1"/>
+          </p:cNvPicPr>
+          <p:nvPr>
+            <p:ph sz="half" idx="2"/>
+          </p:nvPr>
+        </p:nvPicPr>
+        <p:blipFill>
+          <a:blip r:embed="rId2"/>
+          <a:srcRect t="6877" b="6877"/>
+          <a:stretch>
+            <a:fillRect/>
+          </a:stretch>
+        </p:blipFill>
+        <p:spPr/>
+      </p:pic>
+    </p:spTree>
+    <p:extLst>
+      <p:ext uri="{BB962C8B-B14F-4D97-AF65-F5344CB8AC3E}">
+        <p14:creationId xmlns:p14="http://schemas.microsoft.com/office/powerpoint/2010/main" val="3552797669"/>
+      </p:ext>
+    </p:extLst>
+  </p:cSld>
+  <p:clrMapOvr>
+    <a:masterClrMapping/>
+  </p:clrMapOvr>
+  <p:timing>
+    <p:tnLst>
+      <p:par>
+        <p:cTn xmlns:p14="http://schemas.microsoft.com/office/powerpoint/2010/main" id="1" dur="indefinite" restart="never" nodeType="tmRoot"/>
+      </p:par>
+    </p:tnLst>
+  </p:timing>
+</p:sld>
+</file>
+
+<file path=ppt/slides/slide20.xml><?xml version="1.0" encoding="utf-8"?>
+<p:sld xmlns:a="http://schemas.openxmlformats.org/drawingml/2006/main" xmlns:r="http://schemas.openxmlformats.org/officeDocument/2006/relationships" xmlns:p="http://schemas.openxmlformats.org/presentationml/2006/main">
+  <p:cSld>
+    <p:spTree>
+      <p:nvGrpSpPr>
+        <p:cNvPr id="1" name=""/>
+        <p:cNvGrpSpPr/>
+        <p:nvPr/>
+      </p:nvGrpSpPr>
+      <p:grpSpPr>
+        <a:xfrm>
+          <a:off x="0" y="0"/>
+          <a:ext cx="0" cy="0"/>
+          <a:chOff x="0" y="0"/>
+          <a:chExt cx="0" cy="0"/>
+        </a:xfrm>
+      </p:grpSpPr>
+      <p:sp>
+        <p:nvSpPr>
+          <p:cNvPr id="2" name="Title 1"/>
+          <p:cNvSpPr>
+            <a:spLocks noGrp="1"/>
+          </p:cNvSpPr>
+          <p:nvPr>
+            <p:ph type="title"/>
+          </p:nvPr>
+        </p:nvSpPr>
+        <p:spPr/>
+        <p:txBody>
+          <a:bodyPr/>
+          <a:lstStyle/>
+          <a:p>
+            <a:r>
+              <a:rPr lang="en-US" dirty="0" smtClean="0"/>
+              <a:t>Server Error Codes</a:t>
+            </a:r>
+            <a:endParaRPr lang="en-US" dirty="0"/>
+          </a:p>
+        </p:txBody>
+      </p:sp>
+      <p:pic>
+        <p:nvPicPr>
+          <p:cNvPr id="4" name="Picture 3"/>
+          <p:cNvPicPr>
+            <a:picLocks noChangeAspect="1"/>
+          </p:cNvPicPr>
+          <p:nvPr/>
+        </p:nvPicPr>
+        <p:blipFill>
+          <a:blip r:embed="rId2"/>
+          <a:stretch>
+            <a:fillRect/>
+          </a:stretch>
+        </p:blipFill>
+        <p:spPr>
+          <a:xfrm>
+            <a:off x="285531" y="1911349"/>
+            <a:ext cx="8338874" cy="1728791"/>
+          </a:xfrm>
+          <a:prstGeom prst="rect">
+            <a:avLst/>
+          </a:prstGeom>
+        </p:spPr>
+      </p:pic>
+    </p:spTree>
+    <p:extLst>
+      <p:ext uri="{BB962C8B-B14F-4D97-AF65-F5344CB8AC3E}">
+        <p14:creationId xmlns:p14="http://schemas.microsoft.com/office/powerpoint/2010/main" val="4176651887"/>
+      </p:ext>
+    </p:extLst>
+  </p:cSld>
+  <p:clrMapOvr>
+    <a:masterClrMapping/>
+  </p:clrMapOvr>
+</p:sld>
+</file>
+
+<file path=ppt/slides/slide21.xml><?xml version="1.0" encoding="utf-8"?>
+<p:sld xmlns:a="http://schemas.openxmlformats.org/drawingml/2006/main" xmlns:r="http://schemas.openxmlformats.org/officeDocument/2006/relationships" xmlns:p="http://schemas.openxmlformats.org/presentationml/2006/main">
+  <p:cSld>
+    <p:spTree>
+      <p:nvGrpSpPr>
+        <p:cNvPr id="1" name=""/>
+        <p:cNvGrpSpPr/>
+        <p:nvPr/>
+      </p:nvGrpSpPr>
+      <p:grpSpPr>
+        <a:xfrm>
+          <a:off x="0" y="0"/>
+          <a:ext cx="0" cy="0"/>
+          <a:chOff x="0" y="0"/>
+          <a:chExt cx="0" cy="0"/>
+        </a:xfrm>
+      </p:grpSpPr>
+      <p:sp>
+        <p:nvSpPr>
+          <p:cNvPr id="2" name="Title 1"/>
+          <p:cNvSpPr>
+            <a:spLocks noGrp="1"/>
+          </p:cNvSpPr>
+          <p:nvPr>
+            <p:ph type="title"/>
+          </p:nvPr>
+        </p:nvSpPr>
+        <p:spPr/>
+        <p:txBody>
+          <a:bodyPr/>
+          <a:lstStyle/>
+          <a:p>
+            <a:r>
+              <a:rPr lang="en-US" dirty="0" smtClean="0"/>
+              <a:t>Summary</a:t>
+            </a:r>
+            <a:endParaRPr lang="en-US" dirty="0"/>
+          </a:p>
+        </p:txBody>
+      </p:sp>
+      <p:sp>
+        <p:nvSpPr>
+          <p:cNvPr id="3" name="Content Placeholder 2"/>
+          <p:cNvSpPr>
+            <a:spLocks noGrp="1"/>
+          </p:cNvSpPr>
+          <p:nvPr>
+            <p:ph idx="1"/>
+          </p:nvPr>
+        </p:nvSpPr>
+        <p:spPr/>
+        <p:txBody>
+          <a:bodyPr/>
+          <a:lstStyle/>
+          <a:p>
+            <a:r>
+              <a:rPr lang="en-US" dirty="0" smtClean="0"/>
+              <a:t>Basic REST concepts:</a:t>
+            </a:r>
+          </a:p>
+          <a:p>
+            <a:pPr lvl="1"/>
+            <a:r>
+              <a:rPr lang="en-US" dirty="0" smtClean="0"/>
+              <a:t>Use the right VERB</a:t>
+            </a:r>
+          </a:p>
+          <a:p>
+            <a:pPr lvl="1"/>
+            <a:r>
+              <a:rPr lang="en-US" dirty="0" smtClean="0"/>
+              <a:t>Use the right return code</a:t>
+            </a:r>
+          </a:p>
+          <a:p>
+            <a:pPr lvl="1"/>
+            <a:r>
+              <a:rPr lang="en-US" dirty="0" smtClean="0"/>
+              <a:t>Use well defined media types</a:t>
+            </a:r>
+          </a:p>
+          <a:p>
+            <a:pPr lvl="2"/>
+            <a:r>
+              <a:rPr lang="en-US" dirty="0" smtClean="0"/>
+              <a:t>Resource representation</a:t>
+            </a:r>
+          </a:p>
+          <a:p>
+            <a:pPr lvl="1"/>
+            <a:r>
+              <a:rPr lang="en-US" dirty="0" smtClean="0"/>
+              <a:t>Use </a:t>
+            </a:r>
+            <a:r>
+              <a:rPr lang="en-US" smtClean="0"/>
+              <a:t>hyperlinks for HATEOAS</a:t>
+            </a:r>
+            <a:endParaRPr lang="en-US" dirty="0" smtClean="0"/>
+          </a:p>
+          <a:p>
+            <a:pPr marL="457200" lvl="1" indent="0">
+              <a:buNone/>
+            </a:pPr>
+            <a:endParaRPr lang="en-US" dirty="0"/>
+          </a:p>
+        </p:txBody>
+      </p:sp>
+    </p:spTree>
+    <p:extLst>
+      <p:ext uri="{BB962C8B-B14F-4D97-AF65-F5344CB8AC3E}">
+        <p14:creationId xmlns:p14="http://schemas.microsoft.com/office/powerpoint/2010/main" val="1369062281"/>
+      </p:ext>
+    </p:extLst>
+  </p:cSld>
+  <p:clrMapOvr>
+    <a:masterClrMapping/>
+  </p:clrMapOvr>
+</p:sld>
+</file>
+
+<file path=ppt/slides/slide22.xml><?xml version="1.0" encoding="utf-8"?>
 <p:sld xmlns:a="http://schemas.openxmlformats.org/drawingml/2006/main" xmlns:r="http://schemas.openxmlformats.org/officeDocument/2006/relationships" xmlns:p="http://schemas.openxmlformats.org/presentationml/2006/main">
   <p:cSld>
     <p:spTree>
@@ -7694,7 +8446,7 @@
 </p:sld>
 </file>
 
-<file path=ppt/slides/slide17.xml><?xml version="1.0" encoding="utf-8"?>
+<file path=ppt/slides/slide23.xml><?xml version="1.0" encoding="utf-8"?>
 <p:sld xmlns:a="http://schemas.openxmlformats.org/drawingml/2006/main" xmlns:r="http://schemas.openxmlformats.org/officeDocument/2006/relationships" xmlns:p="http://schemas.openxmlformats.org/presentationml/2006/main">
   <p:cSld>
     <p:spTree>
@@ -7778,7 +8530,7 @@
 </p:sld>
 </file>
 
-<file path=ppt/slides/slide18.xml><?xml version="1.0" encoding="utf-8"?>
+<file path=ppt/slides/slide24.xml><?xml version="1.0" encoding="utf-8"?>
 <p:sld xmlns:a="http://schemas.openxmlformats.org/drawingml/2006/main" xmlns:r="http://schemas.openxmlformats.org/officeDocument/2006/relationships" xmlns:p="http://schemas.openxmlformats.org/presentationml/2006/main">
   <p:cSld>
     <p:spTree>
@@ -7858,7 +8610,7 @@
 </p:sld>
 </file>
 
-<file path=ppt/slides/slide19.xml><?xml version="1.0" encoding="utf-8"?>
+<file path=ppt/slides/slide25.xml><?xml version="1.0" encoding="utf-8"?>
 <p:sld xmlns:a="http://schemas.openxmlformats.org/drawingml/2006/main" xmlns:r="http://schemas.openxmlformats.org/officeDocument/2006/relationships" xmlns:p="http://schemas.openxmlformats.org/presentationml/2006/main">
   <p:cSld>
     <p:spTree>
@@ -7902,179 +8654,6 @@
     <p:extLst>
       <p:ext uri="{BB962C8B-B14F-4D97-AF65-F5344CB8AC3E}">
         <p14:creationId xmlns:p14="http://schemas.microsoft.com/office/powerpoint/2010/main" val="1921796518"/>
-      </p:ext>
-    </p:extLst>
-  </p:cSld>
-  <p:clrMapOvr>
-    <a:masterClrMapping/>
-  </p:clrMapOvr>
-  <p:timing>
-    <p:tnLst>
-      <p:par>
-        <p:cTn xmlns:p14="http://schemas.microsoft.com/office/powerpoint/2010/main" id="1" dur="indefinite" restart="never" nodeType="tmRoot"/>
-      </p:par>
-    </p:tnLst>
-  </p:timing>
-</p:sld>
-</file>
-
-<file path=ppt/slides/slide2.xml><?xml version="1.0" encoding="utf-8"?>
-<p:sld xmlns:a="http://schemas.openxmlformats.org/drawingml/2006/main" xmlns:r="http://schemas.openxmlformats.org/officeDocument/2006/relationships" xmlns:p="http://schemas.openxmlformats.org/presentationml/2006/main">
-  <p:cSld>
-    <p:spTree>
-      <p:nvGrpSpPr>
-        <p:cNvPr id="1" name=""/>
-        <p:cNvGrpSpPr/>
-        <p:nvPr/>
-      </p:nvGrpSpPr>
-      <p:grpSpPr>
-        <a:xfrm>
-          <a:off x="0" y="0"/>
-          <a:ext cx="0" cy="0"/>
-          <a:chOff x="0" y="0"/>
-          <a:chExt cx="0" cy="0"/>
-        </a:xfrm>
-      </p:grpSpPr>
-      <p:sp>
-        <p:nvSpPr>
-          <p:cNvPr id="2" name="Title 1"/>
-          <p:cNvSpPr>
-            <a:spLocks noGrp="1"/>
-          </p:cNvSpPr>
-          <p:nvPr>
-            <p:ph type="title"/>
-          </p:nvPr>
-        </p:nvSpPr>
-        <p:spPr/>
-        <p:txBody>
-          <a:bodyPr/>
-          <a:lstStyle/>
-          <a:p>
-            <a:r>
-              <a:rPr lang="en-US" dirty="0" smtClean="0"/>
-              <a:t>World Wide Web</a:t>
-            </a:r>
-            <a:endParaRPr lang="en-US" dirty="0"/>
-          </a:p>
-        </p:txBody>
-      </p:sp>
-      <p:sp>
-        <p:nvSpPr>
-          <p:cNvPr id="4" name="Content Placeholder 3"/>
-          <p:cNvSpPr>
-            <a:spLocks noGrp="1"/>
-          </p:cNvSpPr>
-          <p:nvPr>
-            <p:ph sz="half" idx="1"/>
-          </p:nvPr>
-        </p:nvSpPr>
-        <p:spPr/>
-        <p:txBody>
-          <a:bodyPr>
-            <a:normAutofit fontScale="77500" lnSpcReduction="20000"/>
-          </a:bodyPr>
-          <a:lstStyle/>
-          <a:p>
-            <a:r>
-              <a:rPr lang="en-US" dirty="0"/>
-              <a:t>navigating document collections</a:t>
-            </a:r>
-          </a:p>
-          <a:p>
-            <a:r>
-              <a:rPr lang="en-US" dirty="0" smtClean="0"/>
-              <a:t>multimedia </a:t>
-            </a:r>
-            <a:r>
-              <a:rPr lang="en-US" dirty="0"/>
-              <a:t>documents</a:t>
-            </a:r>
-          </a:p>
-          <a:p>
-            <a:r>
-              <a:rPr lang="en-US" dirty="0" smtClean="0"/>
-              <a:t>hypertext </a:t>
-            </a:r>
-            <a:r>
-              <a:rPr lang="en-US" dirty="0"/>
-              <a:t>cross-references</a:t>
-            </a:r>
-          </a:p>
-          <a:p>
-            <a:r>
-              <a:rPr lang="en-US" dirty="0" smtClean="0"/>
-              <a:t>hypertext </a:t>
-            </a:r>
-            <a:r>
-              <a:rPr lang="en-US" dirty="0"/>
-              <a:t>markup language</a:t>
-            </a:r>
-          </a:p>
-          <a:p>
-            <a:r>
-              <a:rPr lang="en-US" dirty="0"/>
-              <a:t>(HTML)</a:t>
-            </a:r>
-          </a:p>
-          <a:p>
-            <a:r>
-              <a:rPr lang="en-US" dirty="0" smtClean="0"/>
-              <a:t>hypertext </a:t>
-            </a:r>
-            <a:r>
-              <a:rPr lang="en-US" dirty="0"/>
-              <a:t>transfer protocol</a:t>
-            </a:r>
-          </a:p>
-          <a:p>
-            <a:r>
-              <a:rPr lang="en-US" dirty="0"/>
-              <a:t>(HTTP)</a:t>
-            </a:r>
-          </a:p>
-          <a:p>
-            <a:r>
-              <a:rPr lang="en-US" dirty="0" smtClean="0"/>
-              <a:t>Tim </a:t>
-            </a:r>
-            <a:r>
-              <a:rPr lang="en-US" dirty="0"/>
-              <a:t>Berners-Lee at CERN</a:t>
-            </a:r>
-            <a:r>
-              <a:rPr lang="en-US" dirty="0" smtClean="0"/>
-              <a:t>, 1989</a:t>
-            </a:r>
-            <a:r>
-              <a:rPr lang="en-US" dirty="0"/>
-              <a:t>–1992</a:t>
-            </a:r>
-          </a:p>
-        </p:txBody>
-      </p:sp>
-      <p:pic>
-        <p:nvPicPr>
-          <p:cNvPr id="7" name="Content Placeholder 6"/>
-          <p:cNvPicPr>
-            <a:picLocks noGrp="1" noChangeAspect="1"/>
-          </p:cNvPicPr>
-          <p:nvPr>
-            <p:ph sz="half" idx="2"/>
-          </p:nvPr>
-        </p:nvPicPr>
-        <p:blipFill>
-          <a:blip r:embed="rId2"/>
-          <a:srcRect t="6877" b="6877"/>
-          <a:stretch>
-            <a:fillRect/>
-          </a:stretch>
-        </p:blipFill>
-        <p:spPr/>
-      </p:pic>
-    </p:spTree>
-    <p:extLst>
-      <p:ext uri="{BB962C8B-B14F-4D97-AF65-F5344CB8AC3E}">
-        <p14:creationId xmlns:p14="http://schemas.microsoft.com/office/powerpoint/2010/main" val="3552797669"/>
       </p:ext>
     </p:extLst>
   </p:cSld>
@@ -8235,6 +8814,78 @@
           <a:bodyPr/>
           <a:lstStyle/>
           <a:p>
+            <a:endParaRPr lang="en-US"/>
+          </a:p>
+        </p:txBody>
+      </p:sp>
+      <p:pic>
+        <p:nvPicPr>
+          <p:cNvPr id="4" name="Picture 3"/>
+          <p:cNvPicPr>
+            <a:picLocks noChangeAspect="1"/>
+          </p:cNvPicPr>
+          <p:nvPr/>
+        </p:nvPicPr>
+        <p:blipFill rotWithShape="1">
+          <a:blip r:embed="rId2"/>
+          <a:srcRect t="23580" r="30702"/>
+          <a:stretch/>
+        </p:blipFill>
+        <p:spPr>
+          <a:xfrm>
+            <a:off x="0" y="0"/>
+            <a:ext cx="9144000" cy="6045626"/>
+          </a:xfrm>
+          <a:prstGeom prst="rect">
+            <a:avLst/>
+          </a:prstGeom>
+        </p:spPr>
+      </p:pic>
+    </p:spTree>
+    <p:extLst>
+      <p:ext uri="{BB962C8B-B14F-4D97-AF65-F5344CB8AC3E}">
+        <p14:creationId xmlns:p14="http://schemas.microsoft.com/office/powerpoint/2010/main" val="2793172432"/>
+      </p:ext>
+    </p:extLst>
+  </p:cSld>
+  <p:clrMapOvr>
+    <a:masterClrMapping/>
+  </p:clrMapOvr>
+</p:sld>
+</file>
+
+<file path=ppt/slides/slide5.xml><?xml version="1.0" encoding="utf-8"?>
+<p:sld xmlns:a="http://schemas.openxmlformats.org/drawingml/2006/main" xmlns:r="http://schemas.openxmlformats.org/officeDocument/2006/relationships" xmlns:p="http://schemas.openxmlformats.org/presentationml/2006/main">
+  <p:cSld>
+    <p:spTree>
+      <p:nvGrpSpPr>
+        <p:cNvPr id="1" name=""/>
+        <p:cNvGrpSpPr/>
+        <p:nvPr/>
+      </p:nvGrpSpPr>
+      <p:grpSpPr>
+        <a:xfrm>
+          <a:off x="0" y="0"/>
+          <a:ext cx="0" cy="0"/>
+          <a:chOff x="0" y="0"/>
+          <a:chExt cx="0" cy="0"/>
+        </a:xfrm>
+      </p:grpSpPr>
+      <p:sp>
+        <p:nvSpPr>
+          <p:cNvPr id="2" name="Title 1"/>
+          <p:cNvSpPr>
+            <a:spLocks noGrp="1"/>
+          </p:cNvSpPr>
+          <p:nvPr>
+            <p:ph type="title"/>
+          </p:nvPr>
+        </p:nvSpPr>
+        <p:spPr/>
+        <p:txBody>
+          <a:bodyPr/>
+          <a:lstStyle/>
+          <a:p>
             <a:r>
               <a:rPr lang="en-US" dirty="0" smtClean="0"/>
               <a:t>HTTP “Verbs”</a:t>
@@ -8370,7 +9021,7 @@
 </p:sld>
 </file>
 
-<file path=ppt/slides/slide5.xml><?xml version="1.0" encoding="utf-8"?>
+<file path=ppt/slides/slide6.xml><?xml version="1.0" encoding="utf-8"?>
 <p:sld xmlns:a="http://schemas.openxmlformats.org/drawingml/2006/main" xmlns:r="http://schemas.openxmlformats.org/officeDocument/2006/relationships" xmlns:p="http://schemas.openxmlformats.org/presentationml/2006/main">
   <p:cSld>
     <p:spTree>
@@ -8505,7 +9156,7 @@
 </p:sld>
 </file>
 
-<file path=ppt/slides/slide6.xml><?xml version="1.0" encoding="utf-8"?>
+<file path=ppt/slides/slide7.xml><?xml version="1.0" encoding="utf-8"?>
 <p:sld xmlns:a="http://schemas.openxmlformats.org/drawingml/2006/main" xmlns:r="http://schemas.openxmlformats.org/officeDocument/2006/relationships" xmlns:p="http://schemas.openxmlformats.org/presentationml/2006/main">
   <p:cSld>
     <p:spTree>
@@ -8613,106 +9264,6 @@
 </p:sld>
 </file>
 
-<file path=ppt/slides/slide7.xml><?xml version="1.0" encoding="utf-8"?>
-<p:sld xmlns:a="http://schemas.openxmlformats.org/drawingml/2006/main" xmlns:r="http://schemas.openxmlformats.org/officeDocument/2006/relationships" xmlns:p="http://schemas.openxmlformats.org/presentationml/2006/main">
-  <p:cSld>
-    <p:spTree>
-      <p:nvGrpSpPr>
-        <p:cNvPr id="1" name=""/>
-        <p:cNvGrpSpPr/>
-        <p:nvPr/>
-      </p:nvGrpSpPr>
-      <p:grpSpPr>
-        <a:xfrm>
-          <a:off x="0" y="0"/>
-          <a:ext cx="0" cy="0"/>
-          <a:chOff x="0" y="0"/>
-          <a:chExt cx="0" cy="0"/>
-        </a:xfrm>
-      </p:grpSpPr>
-      <p:sp>
-        <p:nvSpPr>
-          <p:cNvPr id="2" name="Title 1"/>
-          <p:cNvSpPr>
-            <a:spLocks noGrp="1"/>
-          </p:cNvSpPr>
-          <p:nvPr>
-            <p:ph type="title"/>
-          </p:nvPr>
-        </p:nvSpPr>
-        <p:spPr/>
-        <p:txBody>
-          <a:bodyPr/>
-          <a:lstStyle/>
-          <a:p>
-            <a:r>
-              <a:rPr lang="en-US" dirty="0" smtClean="0"/>
-              <a:t>REST is a design pattern</a:t>
-            </a:r>
-            <a:endParaRPr lang="en-US" dirty="0"/>
-          </a:p>
-        </p:txBody>
-      </p:sp>
-      <p:sp>
-        <p:nvSpPr>
-          <p:cNvPr id="3" name="Content Placeholder 2"/>
-          <p:cNvSpPr>
-            <a:spLocks noGrp="1"/>
-          </p:cNvSpPr>
-          <p:nvPr>
-            <p:ph idx="1"/>
-          </p:nvPr>
-        </p:nvSpPr>
-        <p:spPr/>
-        <p:txBody>
-          <a:bodyPr/>
-          <a:lstStyle/>
-          <a:p>
-            <a:endParaRPr lang="en-US" dirty="0" smtClean="0"/>
-          </a:p>
-          <a:p>
-            <a:endParaRPr lang="en-US" dirty="0"/>
-          </a:p>
-          <a:p>
-            <a:pPr marL="0" indent="0">
-              <a:buNone/>
-            </a:pPr>
-            <a:r>
-              <a:rPr lang="en-US" dirty="0" smtClean="0"/>
-              <a:t>Also characterized as an </a:t>
-            </a:r>
-            <a:r>
-              <a:rPr lang="en-US" b="1" i="1" dirty="0" smtClean="0"/>
-              <a:t>Architectural Style </a:t>
-            </a:r>
-            <a:r>
-              <a:rPr lang="en-US" dirty="0" smtClean="0"/>
-              <a:t>(aka an architecture design pattern)</a:t>
-            </a:r>
-            <a:endParaRPr lang="en-US" dirty="0"/>
-          </a:p>
-        </p:txBody>
-      </p:sp>
-    </p:spTree>
-    <p:extLst>
-      <p:ext uri="{BB962C8B-B14F-4D97-AF65-F5344CB8AC3E}">
-        <p14:creationId xmlns:p14="http://schemas.microsoft.com/office/powerpoint/2010/main" val="354754176"/>
-      </p:ext>
-    </p:extLst>
-  </p:cSld>
-  <p:clrMapOvr>
-    <a:masterClrMapping/>
-  </p:clrMapOvr>
-  <p:timing>
-    <p:tnLst>
-      <p:par>
-        <p:cTn xmlns:p14="http://schemas.microsoft.com/office/powerpoint/2010/main" id="1" dur="indefinite" restart="never" nodeType="tmRoot"/>
-      </p:par>
-    </p:tnLst>
-  </p:timing>
-</p:sld>
-</file>
-
 <file path=ppt/slides/slide8.xml><?xml version="1.0" encoding="utf-8"?>
 <p:sld xmlns:a="http://schemas.openxmlformats.org/drawingml/2006/main" xmlns:r="http://schemas.openxmlformats.org/officeDocument/2006/relationships" xmlns:p="http://schemas.openxmlformats.org/presentationml/2006/main">
   <p:cSld>
@@ -8742,14 +9293,12 @@
         </p:nvSpPr>
         <p:spPr/>
         <p:txBody>
-          <a:bodyPr>
-            <a:normAutofit fontScale="90000"/>
-          </a:bodyPr>
+          <a:bodyPr/>
           <a:lstStyle/>
           <a:p>
             <a:r>
               <a:rPr lang="en-US" dirty="0" smtClean="0"/>
-              <a:t>Resource Oriented Architecture</a:t>
+              <a:t>REST is a design pattern</a:t>
             </a:r>
             <a:endParaRPr lang="en-US" dirty="0"/>
           </a:p>
@@ -8767,71 +9316,29 @@
         </p:nvSpPr>
         <p:spPr/>
         <p:txBody>
-          <a:bodyPr>
-            <a:normAutofit/>
-          </a:bodyPr>
+          <a:bodyPr/>
           <a:lstStyle/>
           <a:p>
-            <a:r>
-              <a:rPr lang="en-US" dirty="0"/>
-              <a:t>Resource-oriented </a:t>
-            </a:r>
-            <a:r>
-              <a:rPr lang="en-US" dirty="0" smtClean="0"/>
-              <a:t>architecture</a:t>
-            </a:r>
-          </a:p>
-          <a:p>
-            <a:pPr lvl="1"/>
-            <a:r>
-              <a:rPr lang="en-US" dirty="0" smtClean="0"/>
-              <a:t>after </a:t>
-            </a:r>
-            <a:r>
-              <a:rPr lang="en-US" dirty="0"/>
-              <a:t>Richardson &amp; Ruby, </a:t>
-            </a:r>
-            <a:r>
-              <a:rPr lang="en-US" dirty="0" err="1"/>
-              <a:t>RESTful</a:t>
-            </a:r>
-            <a:r>
-              <a:rPr lang="en-US" dirty="0"/>
-              <a:t> </a:t>
-            </a:r>
-            <a:r>
-              <a:rPr lang="en-US" dirty="0" smtClean="0"/>
-              <a:t>WS</a:t>
-            </a:r>
-          </a:p>
-          <a:p>
-            <a:pPr lvl="1"/>
-            <a:r>
-              <a:rPr lang="en-US" dirty="0" smtClean="0"/>
-              <a:t>action </a:t>
-            </a:r>
-            <a:r>
-              <a:rPr lang="en-US" dirty="0"/>
-              <a:t>identified in HTTP method, not in </a:t>
-            </a:r>
-            <a:r>
-              <a:rPr lang="en-US" dirty="0" smtClean="0"/>
-              <a:t>payload</a:t>
-            </a:r>
-          </a:p>
-          <a:p>
-            <a:pPr lvl="1"/>
-            <a:r>
-              <a:rPr lang="en-US" dirty="0" smtClean="0"/>
-              <a:t>scoping </a:t>
-            </a:r>
-            <a:r>
-              <a:rPr lang="en-US" dirty="0"/>
-              <a:t>information in </a:t>
-            </a:r>
-            <a:r>
-              <a:rPr lang="en-US" dirty="0" smtClean="0"/>
-              <a:t>URI</a:t>
+            <a:endParaRPr lang="en-US" dirty="0" smtClean="0"/>
+          </a:p>
+          <a:p>
+            <a:endParaRPr lang="en-US" dirty="0"/>
+          </a:p>
+          <a:p>
+            <a:pPr marL="0" indent="0">
+              <a:buNone/>
+            </a:pPr>
+            <a:r>
+              <a:rPr lang="en-US" dirty="0" smtClean="0"/>
+              <a:t>Also characterized as an </a:t>
+            </a:r>
+            <a:r>
+              <a:rPr lang="en-US" b="1" i="1" dirty="0" smtClean="0"/>
+              <a:t>Architectural Style </a:t>
+            </a:r>
+            <a:r>
+              <a:rPr lang="en-US" dirty="0" smtClean="0"/>
+              <a:t>(aka an architecture design pattern)</a:t>
             </a:r>
             <a:endParaRPr lang="en-US" dirty="0"/>
           </a:p>
@@ -8840,7 +9347,7 @@
     </p:spTree>
     <p:extLst>
       <p:ext uri="{BB962C8B-B14F-4D97-AF65-F5344CB8AC3E}">
-        <p14:creationId xmlns:p14="http://schemas.microsoft.com/office/powerpoint/2010/main" val="1097117594"/>
+        <p14:creationId xmlns:p14="http://schemas.microsoft.com/office/powerpoint/2010/main" val="354754176"/>
       </p:ext>
     </p:extLst>
   </p:cSld>
@@ -8886,45 +9393,105 @@
         </p:nvSpPr>
         <p:spPr/>
         <p:txBody>
-          <a:bodyPr/>
+          <a:bodyPr>
+            <a:normAutofit fontScale="90000"/>
+          </a:bodyPr>
           <a:lstStyle/>
           <a:p>
             <a:r>
               <a:rPr lang="en-US" dirty="0" smtClean="0"/>
-              <a:t>Richardson’s Maturity Model</a:t>
+              <a:t>Resource Oriented Architecture</a:t>
             </a:r>
             <a:endParaRPr lang="en-US" dirty="0"/>
           </a:p>
         </p:txBody>
       </p:sp>
-      <p:pic>
-        <p:nvPicPr>
-          <p:cNvPr id="4" name="Picture 3"/>
-          <p:cNvPicPr>
-            <a:picLocks noChangeAspect="1"/>
-          </p:cNvPicPr>
-          <p:nvPr/>
-        </p:nvPicPr>
-        <p:blipFill>
-          <a:blip r:embed="rId2"/>
-          <a:stretch>
-            <a:fillRect/>
-          </a:stretch>
-        </p:blipFill>
-        <p:spPr>
-          <a:xfrm>
-            <a:off x="1055738" y="1353302"/>
-            <a:ext cx="7783461" cy="4602998"/>
-          </a:xfrm>
-          <a:prstGeom prst="rect">
-            <a:avLst/>
-          </a:prstGeom>
-        </p:spPr>
-      </p:pic>
+      <p:sp>
+        <p:nvSpPr>
+          <p:cNvPr id="3" name="Content Placeholder 2"/>
+          <p:cNvSpPr>
+            <a:spLocks noGrp="1"/>
+          </p:cNvSpPr>
+          <p:nvPr>
+            <p:ph idx="1"/>
+          </p:nvPr>
+        </p:nvSpPr>
+        <p:spPr/>
+        <p:txBody>
+          <a:bodyPr>
+            <a:normAutofit/>
+          </a:bodyPr>
+          <a:lstStyle/>
+          <a:p>
+            <a:r>
+              <a:rPr lang="en-US" dirty="0"/>
+              <a:t>Resource-oriented </a:t>
+            </a:r>
+            <a:r>
+              <a:rPr lang="en-US" dirty="0" smtClean="0"/>
+              <a:t>architecture</a:t>
+            </a:r>
+          </a:p>
+          <a:p>
+            <a:pPr lvl="1"/>
+            <a:r>
+              <a:rPr lang="en-US" dirty="0" smtClean="0"/>
+              <a:t>after </a:t>
+            </a:r>
+            <a:r>
+              <a:rPr lang="en-US" dirty="0"/>
+              <a:t>Richardson &amp; Ruby, </a:t>
+            </a:r>
+            <a:r>
+              <a:rPr lang="en-US" dirty="0" err="1"/>
+              <a:t>RESTful</a:t>
+            </a:r>
+            <a:r>
+              <a:rPr lang="en-US" dirty="0"/>
+              <a:t> </a:t>
+            </a:r>
+            <a:r>
+              <a:rPr lang="en-US" dirty="0" smtClean="0"/>
+              <a:t>WS</a:t>
+            </a:r>
+          </a:p>
+          <a:p>
+            <a:pPr lvl="1"/>
+            <a:r>
+              <a:rPr lang="en-US" dirty="0" smtClean="0"/>
+              <a:t>action </a:t>
+            </a:r>
+            <a:r>
+              <a:rPr lang="en-US" dirty="0"/>
+              <a:t>identified in HTTP method, not in </a:t>
+            </a:r>
+            <a:r>
+              <a:rPr lang="en-US" dirty="0" smtClean="0"/>
+              <a:t>payload</a:t>
+            </a:r>
+          </a:p>
+          <a:p>
+            <a:pPr lvl="1"/>
+            <a:r>
+              <a:rPr lang="en-US" dirty="0" smtClean="0"/>
+              <a:t>scoping </a:t>
+            </a:r>
+            <a:r>
+              <a:rPr lang="en-US" dirty="0"/>
+              <a:t>information in </a:t>
+            </a:r>
+            <a:r>
+              <a:rPr lang="en-US" dirty="0" smtClean="0"/>
+              <a:t>URI</a:t>
+            </a:r>
+            <a:endParaRPr lang="en-US" dirty="0"/>
+          </a:p>
+        </p:txBody>
+      </p:sp>
     </p:spTree>
     <p:extLst>
       <p:ext uri="{BB962C8B-B14F-4D97-AF65-F5344CB8AC3E}">
-        <p14:creationId xmlns:p14="http://schemas.microsoft.com/office/powerpoint/2010/main" val="186322383"/>
+        <p14:creationId xmlns:p14="http://schemas.microsoft.com/office/powerpoint/2010/main" val="1097117594"/>
       </p:ext>
     </p:extLst>
   </p:cSld>

--- a/presentation-source/04-REST-Intro.pptx
+++ b/presentation-source/04-REST-Intro.pptx
@@ -221,7 +221,7 @@
             <a:fld id="{7307762F-A706-E543-A832-3C298AA3103F}" type="datetimeFigureOut">
               <a:rPr lang="en-US" smtClean="0"/>
               <a:pPr/>
-              <a:t>07/05/17</a:t>
+              <a:t>22/05/17</a:t>
             </a:fld>
             <a:endParaRPr lang="en-US" dirty="0"/>
           </a:p>
@@ -1233,7 +1233,7 @@
           <a:p>
             <a:fld id="{875CF0EB-321F-0749-B37A-89BBA859503C}" type="datetimeFigureOut">
               <a:rPr lang="en-US" smtClean="0"/>
-              <a:t>07/05/17</a:t>
+              <a:t>22/05/17</a:t>
             </a:fld>
             <a:endParaRPr lang="en-US"/>
           </a:p>
@@ -1437,7 +1437,7 @@
           <a:p>
             <a:fld id="{875CF0EB-321F-0749-B37A-89BBA859503C}" type="datetimeFigureOut">
               <a:rPr lang="en-US" smtClean="0"/>
-              <a:t>07/05/17</a:t>
+              <a:t>22/05/17</a:t>
             </a:fld>
             <a:endParaRPr lang="en-US"/>
           </a:p>
@@ -1631,7 +1631,7 @@
           <a:p>
             <a:fld id="{875CF0EB-321F-0749-B37A-89BBA859503C}" type="datetimeFigureOut">
               <a:rPr lang="en-US" smtClean="0"/>
-              <a:t>07/05/17</a:t>
+              <a:t>22/05/17</a:t>
             </a:fld>
             <a:endParaRPr lang="en-US"/>
           </a:p>
@@ -1901,7 +1901,7 @@
           <a:p>
             <a:fld id="{875CF0EB-321F-0749-B37A-89BBA859503C}" type="datetimeFigureOut">
               <a:rPr lang="en-US" smtClean="0"/>
-              <a:t>07/05/17</a:t>
+              <a:t>22/05/17</a:t>
             </a:fld>
             <a:endParaRPr lang="en-US"/>
           </a:p>
@@ -2213,7 +2213,7 @@
           <a:p>
             <a:fld id="{875CF0EB-321F-0749-B37A-89BBA859503C}" type="datetimeFigureOut">
               <a:rPr lang="en-US" smtClean="0"/>
-              <a:t>07/05/17</a:t>
+              <a:t>22/05/17</a:t>
             </a:fld>
             <a:endParaRPr lang="en-US"/>
           </a:p>
@@ -2659,7 +2659,7 @@
           <a:p>
             <a:fld id="{875CF0EB-321F-0749-B37A-89BBA859503C}" type="datetimeFigureOut">
               <a:rPr lang="en-US" smtClean="0"/>
-              <a:t>07/05/17</a:t>
+              <a:t>22/05/17</a:t>
             </a:fld>
             <a:endParaRPr lang="en-US"/>
           </a:p>
@@ -2801,7 +2801,7 @@
           <a:p>
             <a:fld id="{875CF0EB-321F-0749-B37A-89BBA859503C}" type="datetimeFigureOut">
               <a:rPr lang="en-US" smtClean="0"/>
-              <a:t>07/05/17</a:t>
+              <a:t>22/05/17</a:t>
             </a:fld>
             <a:endParaRPr lang="en-US"/>
           </a:p>
@@ -2920,7 +2920,7 @@
           <a:p>
             <a:fld id="{875CF0EB-321F-0749-B37A-89BBA859503C}" type="datetimeFigureOut">
               <a:rPr lang="en-US" smtClean="0"/>
-              <a:t>07/05/17</a:t>
+              <a:t>22/05/17</a:t>
             </a:fld>
             <a:endParaRPr lang="en-US"/>
           </a:p>
@@ -3221,7 +3221,7 @@
           <a:p>
             <a:fld id="{875CF0EB-321F-0749-B37A-89BBA859503C}" type="datetimeFigureOut">
               <a:rPr lang="en-US" smtClean="0"/>
-              <a:t>07/05/17</a:t>
+              <a:t>22/05/17</a:t>
             </a:fld>
             <a:endParaRPr lang="en-US"/>
           </a:p>
@@ -3498,7 +3498,7 @@
           <a:p>
             <a:fld id="{875CF0EB-321F-0749-B37A-89BBA859503C}" type="datetimeFigureOut">
               <a:rPr lang="en-US" smtClean="0"/>
-              <a:t>07/05/17</a:t>
+              <a:t>22/05/17</a:t>
             </a:fld>
             <a:endParaRPr lang="en-US"/>
           </a:p>
@@ -6243,6 +6243,32 @@
           </a:p>
         </p:txBody>
       </p:sp>
+      <p:sp>
+        <p:nvSpPr>
+          <p:cNvPr id="5" name="TextBox 4"/>
+          <p:cNvSpPr txBox="1"/>
+          <p:nvPr/>
+        </p:nvSpPr>
+        <p:spPr>
+          <a:xfrm>
+            <a:off x="8118748" y="5351062"/>
+            <a:ext cx="184666" cy="369332"/>
+          </a:xfrm>
+          <a:prstGeom prst="rect">
+            <a:avLst/>
+          </a:prstGeom>
+          <a:noFill/>
+        </p:spPr>
+        <p:txBody>
+          <a:bodyPr wrap="none" rtlCol="0">
+            <a:spAutoFit/>
+          </a:bodyPr>
+          <a:lstStyle/>
+          <a:p>
+            <a:endParaRPr lang="en-US" dirty="0"/>
+          </a:p>
+        </p:txBody>
+      </p:sp>
     </p:spTree>
     <p:extLst>
       <p:ext uri="{BB962C8B-B14F-4D97-AF65-F5344CB8AC3E}">
@@ -7822,6 +7848,13 @@
   <p:clrMapOvr>
     <a:masterClrMapping/>
   </p:clrMapOvr>
+  <p:timing>
+    <p:tnLst>
+      <p:par>
+        <p:cTn xmlns:p14="http://schemas.microsoft.com/office/powerpoint/2010/main" id="1" dur="indefinite" restart="never" nodeType="tmRoot"/>
+      </p:par>
+    </p:tnLst>
+  </p:timing>
 </p:sld>
 </file>
 
@@ -7935,6 +7968,13 @@
   <p:clrMapOvr>
     <a:masterClrMapping/>
   </p:clrMapOvr>
+  <p:timing>
+    <p:tnLst>
+      <p:par>
+        <p:cTn xmlns:p14="http://schemas.microsoft.com/office/powerpoint/2010/main" id="1" dur="indefinite" restart="never" nodeType="tmRoot"/>
+      </p:par>
+    </p:tnLst>
+  </p:timing>
 </p:sld>
 </file>
 
@@ -8012,6 +8052,13 @@
   <p:clrMapOvr>
     <a:masterClrMapping/>
   </p:clrMapOvr>
+  <p:timing>
+    <p:tnLst>
+      <p:par>
+        <p:cTn xmlns:p14="http://schemas.microsoft.com/office/powerpoint/2010/main" id="1" dur="indefinite" restart="never" nodeType="tmRoot"/>
+      </p:par>
+    </p:tnLst>
+  </p:timing>
 </p:sld>
 </file>
 
@@ -8262,6 +8309,13 @@
   <p:clrMapOvr>
     <a:masterClrMapping/>
   </p:clrMapOvr>
+  <p:timing>
+    <p:tnLst>
+      <p:par>
+        <p:cTn xmlns:p14="http://schemas.microsoft.com/office/powerpoint/2010/main" id="1" dur="indefinite" restart="never" nodeType="tmRoot"/>
+      </p:par>
+    </p:tnLst>
+  </p:timing>
 </p:sld>
 </file>
 
@@ -8383,6 +8437,13 @@
   <p:clrMapOvr>
     <a:masterClrMapping/>
   </p:clrMapOvr>
+  <p:timing>
+    <p:tnLst>
+      <p:par>
+        <p:cTn xmlns:p14="http://schemas.microsoft.com/office/powerpoint/2010/main" id="1" dur="indefinite" restart="never" nodeType="tmRoot"/>
+      </p:par>
+    </p:tnLst>
+  </p:timing>
 </p:sld>
 </file>
 
@@ -8851,6 +8912,13 @@
   <p:clrMapOvr>
     <a:masterClrMapping/>
   </p:clrMapOvr>
+  <p:timing>
+    <p:tnLst>
+      <p:par>
+        <p:cTn xmlns:p14="http://schemas.microsoft.com/office/powerpoint/2010/main" id="1" dur="indefinite" restart="never" nodeType="tmRoot"/>
+      </p:par>
+    </p:tnLst>
+  </p:timing>
 </p:sld>
 </file>
 

--- a/presentation-source/04-REST-Intro.pptx
+++ b/presentation-source/04-REST-Intro.pptx
@@ -221,7 +221,7 @@
             <a:fld id="{7307762F-A706-E543-A832-3C298AA3103F}" type="datetimeFigureOut">
               <a:rPr lang="en-US" smtClean="0"/>
               <a:pPr/>
-              <a:t>22/05/17</a:t>
+              <a:t>18/12/17</a:t>
             </a:fld>
             <a:endParaRPr lang="en-US" dirty="0"/>
           </a:p>
@@ -1233,7 +1233,7 @@
           <a:p>
             <a:fld id="{875CF0EB-321F-0749-B37A-89BBA859503C}" type="datetimeFigureOut">
               <a:rPr lang="en-US" smtClean="0"/>
-              <a:t>22/05/17</a:t>
+              <a:t>18/12/17</a:t>
             </a:fld>
             <a:endParaRPr lang="en-US"/>
           </a:p>
@@ -1437,7 +1437,7 @@
           <a:p>
             <a:fld id="{875CF0EB-321F-0749-B37A-89BBA859503C}" type="datetimeFigureOut">
               <a:rPr lang="en-US" smtClean="0"/>
-              <a:t>22/05/17</a:t>
+              <a:t>18/12/17</a:t>
             </a:fld>
             <a:endParaRPr lang="en-US"/>
           </a:p>
@@ -1631,7 +1631,7 @@
           <a:p>
             <a:fld id="{875CF0EB-321F-0749-B37A-89BBA859503C}" type="datetimeFigureOut">
               <a:rPr lang="en-US" smtClean="0"/>
-              <a:t>22/05/17</a:t>
+              <a:t>18/12/17</a:t>
             </a:fld>
             <a:endParaRPr lang="en-US"/>
           </a:p>
@@ -1901,7 +1901,7 @@
           <a:p>
             <a:fld id="{875CF0EB-321F-0749-B37A-89BBA859503C}" type="datetimeFigureOut">
               <a:rPr lang="en-US" smtClean="0"/>
-              <a:t>22/05/17</a:t>
+              <a:t>18/12/17</a:t>
             </a:fld>
             <a:endParaRPr lang="en-US"/>
           </a:p>
@@ -2213,7 +2213,7 @@
           <a:p>
             <a:fld id="{875CF0EB-321F-0749-B37A-89BBA859503C}" type="datetimeFigureOut">
               <a:rPr lang="en-US" smtClean="0"/>
-              <a:t>22/05/17</a:t>
+              <a:t>18/12/17</a:t>
             </a:fld>
             <a:endParaRPr lang="en-US"/>
           </a:p>
@@ -2659,7 +2659,7 @@
           <a:p>
             <a:fld id="{875CF0EB-321F-0749-B37A-89BBA859503C}" type="datetimeFigureOut">
               <a:rPr lang="en-US" smtClean="0"/>
-              <a:t>22/05/17</a:t>
+              <a:t>18/12/17</a:t>
             </a:fld>
             <a:endParaRPr lang="en-US"/>
           </a:p>
@@ -2801,7 +2801,7 @@
           <a:p>
             <a:fld id="{875CF0EB-321F-0749-B37A-89BBA859503C}" type="datetimeFigureOut">
               <a:rPr lang="en-US" smtClean="0"/>
-              <a:t>22/05/17</a:t>
+              <a:t>18/12/17</a:t>
             </a:fld>
             <a:endParaRPr lang="en-US"/>
           </a:p>
@@ -2920,7 +2920,7 @@
           <a:p>
             <a:fld id="{875CF0EB-321F-0749-B37A-89BBA859503C}" type="datetimeFigureOut">
               <a:rPr lang="en-US" smtClean="0"/>
-              <a:t>22/05/17</a:t>
+              <a:t>18/12/17</a:t>
             </a:fld>
             <a:endParaRPr lang="en-US"/>
           </a:p>
@@ -3221,7 +3221,7 @@
           <a:p>
             <a:fld id="{875CF0EB-321F-0749-B37A-89BBA859503C}" type="datetimeFigureOut">
               <a:rPr lang="en-US" smtClean="0"/>
-              <a:t>22/05/17</a:t>
+              <a:t>18/12/17</a:t>
             </a:fld>
             <a:endParaRPr lang="en-US"/>
           </a:p>
@@ -3498,7 +3498,7 @@
           <a:p>
             <a:fld id="{875CF0EB-321F-0749-B37A-89BBA859503C}" type="datetimeFigureOut">
               <a:rPr lang="en-US" smtClean="0"/>
-              <a:t>22/05/17</a:t>
+              <a:t>18/12/17</a:t>
             </a:fld>
             <a:endParaRPr lang="en-US"/>
           </a:p>
@@ -6205,7 +6205,7 @@
                 <a:ea typeface="ヒラギノ角ゴ ProN W3" charset="0"/>
                 <a:cs typeface="ヒラギノ角ゴ ProN W3" charset="0"/>
               </a:rPr>
-              <a:t>May 2017</a:t>
+              <a:t>January 2018</a:t>
             </a:r>
             <a:endParaRPr lang="en-US" dirty="0">
               <a:ea typeface="ヒラギノ角ゴ ProN W3" charset="0"/>

--- a/presentation-source/04-REST-Intro.pptx
+++ b/presentation-source/04-REST-Intro.pptx
@@ -221,7 +221,7 @@
             <a:fld id="{7307762F-A706-E543-A832-3C298AA3103F}" type="datetimeFigureOut">
               <a:rPr lang="en-US" smtClean="0"/>
               <a:pPr/>
-              <a:t>18/12/17</a:t>
+              <a:t>08/01/18</a:t>
             </a:fld>
             <a:endParaRPr lang="en-US" dirty="0"/>
           </a:p>
@@ -1233,7 +1233,7 @@
           <a:p>
             <a:fld id="{875CF0EB-321F-0749-B37A-89BBA859503C}" type="datetimeFigureOut">
               <a:rPr lang="en-US" smtClean="0"/>
-              <a:t>18/12/17</a:t>
+              <a:t>08/01/18</a:t>
             </a:fld>
             <a:endParaRPr lang="en-US"/>
           </a:p>
@@ -1437,7 +1437,7 @@
           <a:p>
             <a:fld id="{875CF0EB-321F-0749-B37A-89BBA859503C}" type="datetimeFigureOut">
               <a:rPr lang="en-US" smtClean="0"/>
-              <a:t>18/12/17</a:t>
+              <a:t>08/01/18</a:t>
             </a:fld>
             <a:endParaRPr lang="en-US"/>
           </a:p>
@@ -1631,7 +1631,7 @@
           <a:p>
             <a:fld id="{875CF0EB-321F-0749-B37A-89BBA859503C}" type="datetimeFigureOut">
               <a:rPr lang="en-US" smtClean="0"/>
-              <a:t>18/12/17</a:t>
+              <a:t>08/01/18</a:t>
             </a:fld>
             <a:endParaRPr lang="en-US"/>
           </a:p>
@@ -1901,7 +1901,7 @@
           <a:p>
             <a:fld id="{875CF0EB-321F-0749-B37A-89BBA859503C}" type="datetimeFigureOut">
               <a:rPr lang="en-US" smtClean="0"/>
-              <a:t>18/12/17</a:t>
+              <a:t>08/01/18</a:t>
             </a:fld>
             <a:endParaRPr lang="en-US"/>
           </a:p>
@@ -2213,7 +2213,7 @@
           <a:p>
             <a:fld id="{875CF0EB-321F-0749-B37A-89BBA859503C}" type="datetimeFigureOut">
               <a:rPr lang="en-US" smtClean="0"/>
-              <a:t>18/12/17</a:t>
+              <a:t>08/01/18</a:t>
             </a:fld>
             <a:endParaRPr lang="en-US"/>
           </a:p>
@@ -2659,7 +2659,7 @@
           <a:p>
             <a:fld id="{875CF0EB-321F-0749-B37A-89BBA859503C}" type="datetimeFigureOut">
               <a:rPr lang="en-US" smtClean="0"/>
-              <a:t>18/12/17</a:t>
+              <a:t>08/01/18</a:t>
             </a:fld>
             <a:endParaRPr lang="en-US"/>
           </a:p>
@@ -2801,7 +2801,7 @@
           <a:p>
             <a:fld id="{875CF0EB-321F-0749-B37A-89BBA859503C}" type="datetimeFigureOut">
               <a:rPr lang="en-US" smtClean="0"/>
-              <a:t>18/12/17</a:t>
+              <a:t>08/01/18</a:t>
             </a:fld>
             <a:endParaRPr lang="en-US"/>
           </a:p>
@@ -2920,7 +2920,7 @@
           <a:p>
             <a:fld id="{875CF0EB-321F-0749-B37A-89BBA859503C}" type="datetimeFigureOut">
               <a:rPr lang="en-US" smtClean="0"/>
-              <a:t>18/12/17</a:t>
+              <a:t>08/01/18</a:t>
             </a:fld>
             <a:endParaRPr lang="en-US"/>
           </a:p>
@@ -3221,7 +3221,7 @@
           <a:p>
             <a:fld id="{875CF0EB-321F-0749-B37A-89BBA859503C}" type="datetimeFigureOut">
               <a:rPr lang="en-US" smtClean="0"/>
-              <a:t>18/12/17</a:t>
+              <a:t>08/01/18</a:t>
             </a:fld>
             <a:endParaRPr lang="en-US"/>
           </a:p>
@@ -3498,7 +3498,7 @@
           <a:p>
             <a:fld id="{875CF0EB-321F-0749-B37A-89BBA859503C}" type="datetimeFigureOut">
               <a:rPr lang="en-US" smtClean="0"/>
-              <a:t>18/12/17</a:t>
+              <a:t>08/01/18</a:t>
             </a:fld>
             <a:endParaRPr lang="en-US"/>
           </a:p>
